--- a/文档/RJ16852111苏卓锐（中期答辩）.pptx
+++ b/文档/RJ16852111苏卓锐（中期答辩）.pptx
@@ -5,6 +5,9 @@
     <p:sldMasterId id="2147483648" r:id="rId1"/>
     <p:sldMasterId id="2147483657" r:id="rId2"/>
   </p:sldMasterIdLst>
+  <p:notesMasterIdLst>
+    <p:notesMasterId r:id="rId17"/>
+  </p:notesMasterIdLst>
   <p:sldIdLst>
     <p:sldId id="256" r:id="rId3"/>
     <p:sldId id="257" r:id="rId4"/>
@@ -135,6 +138,355 @@
     </p:ext>
   </p:extLst>
 </p:presentation>
+</file>
+
+<file path=ppt/notesMasters/notesMaster1.xml><?xml version="1.0" encoding="utf-8"?>
+<p:notesMaster xmlns:a="http://schemas.openxmlformats.org/drawingml/2006/main" xmlns:r="http://schemas.openxmlformats.org/officeDocument/2006/relationships" xmlns:p="http://schemas.openxmlformats.org/presentationml/2006/main">
+  <p:cSld>
+    <p:bg>
+      <p:bgRef idx="1001">
+        <a:schemeClr val="bg1"/>
+      </p:bgRef>
+    </p:bg>
+    <p:spTree>
+      <p:nvGrpSpPr>
+        <p:cNvPr id="1" name=""/>
+        <p:cNvGrpSpPr/>
+        <p:nvPr/>
+      </p:nvGrpSpPr>
+      <p:grpSpPr>
+        <a:xfrm>
+          <a:off x="0" y="0"/>
+          <a:ext cx="0" cy="0"/>
+          <a:chOff x="0" y="0"/>
+          <a:chExt cx="0" cy="0"/>
+        </a:xfrm>
+      </p:grpSpPr>
+      <p:sp>
+        <p:nvSpPr>
+          <p:cNvPr id="2" name="页眉占位符 1"/>
+          <p:cNvSpPr>
+            <a:spLocks noGrp="1"/>
+          </p:cNvSpPr>
+          <p:nvPr>
+            <p:ph type="hdr" sz="quarter"/>
+          </p:nvPr>
+        </p:nvSpPr>
+        <p:spPr>
+          <a:xfrm>
+            <a:off x="0" y="0"/>
+            <a:ext cx="2971800" cy="458788"/>
+          </a:xfrm>
+          <a:prstGeom prst="rect">
+            <a:avLst/>
+          </a:prstGeom>
+        </p:spPr>
+        <p:txBody>
+          <a:bodyPr vert="horz" lIns="91440" tIns="45720" rIns="91440" bIns="45720" rtlCol="0"/>
+          <a:lstStyle>
+            <a:lvl1pPr algn="l">
+              <a:defRPr sz="1200"/>
+            </a:lvl1pPr>
+          </a:lstStyle>
+          <a:p>
+            <a:endParaRPr lang="zh-CN" altLang="en-US"/>
+          </a:p>
+        </p:txBody>
+      </p:sp>
+      <p:sp>
+        <p:nvSpPr>
+          <p:cNvPr id="3" name="日期占位符 2"/>
+          <p:cNvSpPr>
+            <a:spLocks noGrp="1"/>
+          </p:cNvSpPr>
+          <p:nvPr>
+            <p:ph type="dt" idx="1"/>
+          </p:nvPr>
+        </p:nvSpPr>
+        <p:spPr>
+          <a:xfrm>
+            <a:off x="3884613" y="0"/>
+            <a:ext cx="2971800" cy="458788"/>
+          </a:xfrm>
+          <a:prstGeom prst="rect">
+            <a:avLst/>
+          </a:prstGeom>
+        </p:spPr>
+        <p:txBody>
+          <a:bodyPr vert="horz" lIns="91440" tIns="45720" rIns="91440" bIns="45720" rtlCol="0"/>
+          <a:lstStyle>
+            <a:lvl1pPr algn="r">
+              <a:defRPr sz="1200"/>
+            </a:lvl1pPr>
+          </a:lstStyle>
+          <a:p>
+            <a:fld id="{8D36D0CC-415D-4DD2-BACB-AF47ED3216EF}" type="datetimeFigureOut">
+              <a:rPr lang="zh-CN" altLang="en-US" smtClean="0"/>
+              <a:t>2020/4/9</a:t>
+            </a:fld>
+            <a:endParaRPr lang="zh-CN" altLang="en-US"/>
+          </a:p>
+        </p:txBody>
+      </p:sp>
+      <p:sp>
+        <p:nvSpPr>
+          <p:cNvPr id="4" name="幻灯片图像占位符 3"/>
+          <p:cNvSpPr>
+            <a:spLocks noGrp="1" noRot="1" noChangeAspect="1"/>
+          </p:cNvSpPr>
+          <p:nvPr>
+            <p:ph type="sldImg" idx="2"/>
+          </p:nvPr>
+        </p:nvSpPr>
+        <p:spPr>
+          <a:xfrm>
+            <a:off x="685800" y="1143000"/>
+            <a:ext cx="5486400" cy="3086100"/>
+          </a:xfrm>
+          <a:prstGeom prst="rect">
+            <a:avLst/>
+          </a:prstGeom>
+          <a:noFill/>
+          <a:ln w="12700">
+            <a:solidFill>
+              <a:prstClr val="black"/>
+            </a:solidFill>
+          </a:ln>
+        </p:spPr>
+        <p:txBody>
+          <a:bodyPr vert="horz" lIns="91440" tIns="45720" rIns="91440" bIns="45720" rtlCol="0" anchor="ctr"/>
+          <a:lstStyle/>
+          <a:p>
+            <a:endParaRPr lang="zh-CN" altLang="en-US"/>
+          </a:p>
+        </p:txBody>
+      </p:sp>
+      <p:sp>
+        <p:nvSpPr>
+          <p:cNvPr id="5" name="备注占位符 4"/>
+          <p:cNvSpPr>
+            <a:spLocks noGrp="1"/>
+          </p:cNvSpPr>
+          <p:nvPr>
+            <p:ph type="body" sz="quarter" idx="3"/>
+          </p:nvPr>
+        </p:nvSpPr>
+        <p:spPr>
+          <a:xfrm>
+            <a:off x="685800" y="4400550"/>
+            <a:ext cx="5486400" cy="3600450"/>
+          </a:xfrm>
+          <a:prstGeom prst="rect">
+            <a:avLst/>
+          </a:prstGeom>
+        </p:spPr>
+        <p:txBody>
+          <a:bodyPr vert="horz" lIns="91440" tIns="45720" rIns="91440" bIns="45720" rtlCol="0"/>
+          <a:lstStyle/>
+          <a:p>
+            <a:pPr lvl="0"/>
+            <a:r>
+              <a:rPr lang="zh-CN" altLang="en-US"/>
+              <a:t>单击此处编辑母版文本样式</a:t>
+            </a:r>
+          </a:p>
+          <a:p>
+            <a:pPr lvl="1"/>
+            <a:r>
+              <a:rPr lang="zh-CN" altLang="en-US"/>
+              <a:t>二级</a:t>
+            </a:r>
+          </a:p>
+          <a:p>
+            <a:pPr lvl="2"/>
+            <a:r>
+              <a:rPr lang="zh-CN" altLang="en-US"/>
+              <a:t>三级</a:t>
+            </a:r>
+          </a:p>
+          <a:p>
+            <a:pPr lvl="3"/>
+            <a:r>
+              <a:rPr lang="zh-CN" altLang="en-US"/>
+              <a:t>四级</a:t>
+            </a:r>
+          </a:p>
+          <a:p>
+            <a:pPr lvl="4"/>
+            <a:r>
+              <a:rPr lang="zh-CN" altLang="en-US"/>
+              <a:t>五级</a:t>
+            </a:r>
+          </a:p>
+        </p:txBody>
+      </p:sp>
+      <p:sp>
+        <p:nvSpPr>
+          <p:cNvPr id="6" name="页脚占位符 5"/>
+          <p:cNvSpPr>
+            <a:spLocks noGrp="1"/>
+          </p:cNvSpPr>
+          <p:nvPr>
+            <p:ph type="ftr" sz="quarter" idx="4"/>
+          </p:nvPr>
+        </p:nvSpPr>
+        <p:spPr>
+          <a:xfrm>
+            <a:off x="0" y="8685213"/>
+            <a:ext cx="2971800" cy="458787"/>
+          </a:xfrm>
+          <a:prstGeom prst="rect">
+            <a:avLst/>
+          </a:prstGeom>
+        </p:spPr>
+        <p:txBody>
+          <a:bodyPr vert="horz" lIns="91440" tIns="45720" rIns="91440" bIns="45720" rtlCol="0" anchor="b"/>
+          <a:lstStyle>
+            <a:lvl1pPr algn="l">
+              <a:defRPr sz="1200"/>
+            </a:lvl1pPr>
+          </a:lstStyle>
+          <a:p>
+            <a:endParaRPr lang="zh-CN" altLang="en-US"/>
+          </a:p>
+        </p:txBody>
+      </p:sp>
+      <p:sp>
+        <p:nvSpPr>
+          <p:cNvPr id="7" name="灯片编号占位符 6"/>
+          <p:cNvSpPr>
+            <a:spLocks noGrp="1"/>
+          </p:cNvSpPr>
+          <p:nvPr>
+            <p:ph type="sldNum" sz="quarter" idx="5"/>
+          </p:nvPr>
+        </p:nvSpPr>
+        <p:spPr>
+          <a:xfrm>
+            <a:off x="3884613" y="8685213"/>
+            <a:ext cx="2971800" cy="458787"/>
+          </a:xfrm>
+          <a:prstGeom prst="rect">
+            <a:avLst/>
+          </a:prstGeom>
+        </p:spPr>
+        <p:txBody>
+          <a:bodyPr vert="horz" lIns="91440" tIns="45720" rIns="91440" bIns="45720" rtlCol="0" anchor="b"/>
+          <a:lstStyle>
+            <a:lvl1pPr algn="r">
+              <a:defRPr sz="1200"/>
+            </a:lvl1pPr>
+          </a:lstStyle>
+          <a:p>
+            <a:fld id="{04A15529-61F0-43B6-8B63-734E754ED802}" type="slidenum">
+              <a:rPr lang="zh-CN" altLang="en-US" smtClean="0"/>
+              <a:t>‹#›</a:t>
+            </a:fld>
+            <a:endParaRPr lang="zh-CN" altLang="en-US"/>
+          </a:p>
+        </p:txBody>
+      </p:sp>
+    </p:spTree>
+    <p:extLst>
+      <p:ext uri="{BB962C8B-B14F-4D97-AF65-F5344CB8AC3E}">
+        <p14:creationId xmlns:p14="http://schemas.microsoft.com/office/powerpoint/2010/main" val="1907922917"/>
+      </p:ext>
+    </p:extLst>
+  </p:cSld>
+  <p:clrMap bg1="lt1" tx1="dk1" bg2="lt2" tx2="dk2" accent1="accent1" accent2="accent2" accent3="accent3" accent4="accent4" accent5="accent5" accent6="accent6" hlink="hlink" folHlink="folHlink"/>
+  <p:notesStyle>
+    <a:lvl1pPr marL="0" algn="l" defTabSz="914400" rtl="0" eaLnBrk="1" latinLnBrk="0" hangingPunct="1">
+      <a:defRPr sz="1200" kern="1200">
+        <a:solidFill>
+          <a:schemeClr val="tx1"/>
+        </a:solidFill>
+        <a:latin typeface="+mn-lt"/>
+        <a:ea typeface="+mn-ea"/>
+        <a:cs typeface="+mn-cs"/>
+      </a:defRPr>
+    </a:lvl1pPr>
+    <a:lvl2pPr marL="457200" algn="l" defTabSz="914400" rtl="0" eaLnBrk="1" latinLnBrk="0" hangingPunct="1">
+      <a:defRPr sz="1200" kern="1200">
+        <a:solidFill>
+          <a:schemeClr val="tx1"/>
+        </a:solidFill>
+        <a:latin typeface="+mn-lt"/>
+        <a:ea typeface="+mn-ea"/>
+        <a:cs typeface="+mn-cs"/>
+      </a:defRPr>
+    </a:lvl2pPr>
+    <a:lvl3pPr marL="914400" algn="l" defTabSz="914400" rtl="0" eaLnBrk="1" latinLnBrk="0" hangingPunct="1">
+      <a:defRPr sz="1200" kern="1200">
+        <a:solidFill>
+          <a:schemeClr val="tx1"/>
+        </a:solidFill>
+        <a:latin typeface="+mn-lt"/>
+        <a:ea typeface="+mn-ea"/>
+        <a:cs typeface="+mn-cs"/>
+      </a:defRPr>
+    </a:lvl3pPr>
+    <a:lvl4pPr marL="1371600" algn="l" defTabSz="914400" rtl="0" eaLnBrk="1" latinLnBrk="0" hangingPunct="1">
+      <a:defRPr sz="1200" kern="1200">
+        <a:solidFill>
+          <a:schemeClr val="tx1"/>
+        </a:solidFill>
+        <a:latin typeface="+mn-lt"/>
+        <a:ea typeface="+mn-ea"/>
+        <a:cs typeface="+mn-cs"/>
+      </a:defRPr>
+    </a:lvl4pPr>
+    <a:lvl5pPr marL="1828800" algn="l" defTabSz="914400" rtl="0" eaLnBrk="1" latinLnBrk="0" hangingPunct="1">
+      <a:defRPr sz="1200" kern="1200">
+        <a:solidFill>
+          <a:schemeClr val="tx1"/>
+        </a:solidFill>
+        <a:latin typeface="+mn-lt"/>
+        <a:ea typeface="+mn-ea"/>
+        <a:cs typeface="+mn-cs"/>
+      </a:defRPr>
+    </a:lvl5pPr>
+    <a:lvl6pPr marL="2286000" algn="l" defTabSz="914400" rtl="0" eaLnBrk="1" latinLnBrk="0" hangingPunct="1">
+      <a:defRPr sz="1200" kern="1200">
+        <a:solidFill>
+          <a:schemeClr val="tx1"/>
+        </a:solidFill>
+        <a:latin typeface="+mn-lt"/>
+        <a:ea typeface="+mn-ea"/>
+        <a:cs typeface="+mn-cs"/>
+      </a:defRPr>
+    </a:lvl6pPr>
+    <a:lvl7pPr marL="2743200" algn="l" defTabSz="914400" rtl="0" eaLnBrk="1" latinLnBrk="0" hangingPunct="1">
+      <a:defRPr sz="1200" kern="1200">
+        <a:solidFill>
+          <a:schemeClr val="tx1"/>
+        </a:solidFill>
+        <a:latin typeface="+mn-lt"/>
+        <a:ea typeface="+mn-ea"/>
+        <a:cs typeface="+mn-cs"/>
+      </a:defRPr>
+    </a:lvl7pPr>
+    <a:lvl8pPr marL="3200400" algn="l" defTabSz="914400" rtl="0" eaLnBrk="1" latinLnBrk="0" hangingPunct="1">
+      <a:defRPr sz="1200" kern="1200">
+        <a:solidFill>
+          <a:schemeClr val="tx1"/>
+        </a:solidFill>
+        <a:latin typeface="+mn-lt"/>
+        <a:ea typeface="+mn-ea"/>
+        <a:cs typeface="+mn-cs"/>
+      </a:defRPr>
+    </a:lvl8pPr>
+    <a:lvl9pPr marL="3657600" algn="l" defTabSz="914400" rtl="0" eaLnBrk="1" latinLnBrk="0" hangingPunct="1">
+      <a:defRPr sz="1200" kern="1200">
+        <a:solidFill>
+          <a:schemeClr val="tx1"/>
+        </a:solidFill>
+        <a:latin typeface="+mn-lt"/>
+        <a:ea typeface="+mn-ea"/>
+        <a:cs typeface="+mn-cs"/>
+      </a:defRPr>
+    </a:lvl9pPr>
+  </p:notesStyle>
+</p:notesMaster>
 </file>
 
 <file path=ppt/slideLayouts/slideLayout1.xml><?xml version="1.0" encoding="utf-8"?>
@@ -7768,7 +8120,7 @@
               </a:spcBef>
               <a:extLst>
                 <a:ext uri="{35155182-B16C-46BC-9424-99874614C6A1}">
-                  <wpsdc:indentchars xmlns="" xmlns:wpsdc="http://www.wps.cn/officeDocument/2017/drawingmlCustomData" xmlns:lc="http://schemas.openxmlformats.org/drawingml/2006/lockedCanvas" val="200" checksum="3013784323"/>
+                  <wpsdc:indentchars xmlns:lc="http://schemas.openxmlformats.org/drawingml/2006/lockedCanvas" xmlns:wpsdc="http://www.wps.cn/officeDocument/2017/drawingmlCustomData" xmlns="" val="200" checksum="3013784323"/>
                 </a:ext>
               </a:extLst>
             </a:pPr>
@@ -8268,7 +8620,7 @@
               </a:spcBef>
               <a:extLst>
                 <a:ext uri="{35155182-B16C-46BC-9424-99874614C6A1}">
-                  <wpsdc:indentchars xmlns="" xmlns:wpsdc="http://www.wps.cn/officeDocument/2017/drawingmlCustomData" xmlns:lc="http://schemas.openxmlformats.org/drawingml/2006/lockedCanvas" val="200" checksum="3013784323"/>
+                  <wpsdc:indentchars xmlns:lc="http://schemas.openxmlformats.org/drawingml/2006/lockedCanvas" xmlns:wpsdc="http://www.wps.cn/officeDocument/2017/drawingmlCustomData" xmlns="" val="200" checksum="3013784323"/>
                 </a:ext>
               </a:extLst>
             </a:pPr>
@@ -8485,32 +8837,10 @@
           <a:lstStyle/>
           <a:p>
             <a:r>
-              <a:rPr kumimoji="1" lang="en-US" altLang="zh-CN" dirty="0"/>
+              <a:rPr kumimoji="1" lang="en-US" altLang="zh-CN" sz="6000" dirty="0"/>
               <a:t>01</a:t>
             </a:r>
-            <a:endParaRPr kumimoji="1" lang="zh-CN" altLang="en-US" dirty="0"/>
-          </a:p>
-        </p:txBody>
-      </p:sp>
-      <p:sp>
-        <p:nvSpPr>
-          <p:cNvPr id="4" name="文本占位符 3"/>
-          <p:cNvSpPr>
-            <a:spLocks noGrp="1"/>
-          </p:cNvSpPr>
-          <p:nvPr>
-            <p:ph type="body" sz="quarter" idx="12"/>
-          </p:nvPr>
-        </p:nvSpPr>
-        <p:spPr/>
-        <p:txBody>
-          <a:bodyPr/>
-          <a:lstStyle/>
-          <a:p>
-            <a:r>
-              <a:rPr kumimoji="1" lang="zh-CN" altLang="en-US" dirty="0"/>
-              <a:t>项目计划</a:t>
-            </a:r>
+            <a:endParaRPr kumimoji="1" lang="zh-CN" altLang="en-US" sz="6000" dirty="0"/>
           </a:p>
         </p:txBody>
       </p:sp>
@@ -8524,38 +8854,21 @@
             <p:ph type="body" sz="quarter" idx="13"/>
           </p:nvPr>
         </p:nvSpPr>
-        <p:spPr/>
+        <p:spPr>
+          <a:xfrm>
+            <a:off x="2629027" y="1938190"/>
+            <a:ext cx="1732331" cy="1135350"/>
+          </a:xfrm>
+        </p:spPr>
         <p:txBody>
           <a:bodyPr/>
           <a:lstStyle/>
           <a:p>
             <a:r>
-              <a:rPr kumimoji="1" lang="en-US" altLang="zh-CN" dirty="0"/>
+              <a:rPr kumimoji="1" lang="en-US" altLang="zh-CN" sz="6000" dirty="0"/>
               <a:t>02</a:t>
             </a:r>
-            <a:endParaRPr kumimoji="1" lang="zh-CN" altLang="en-US" dirty="0"/>
-          </a:p>
-        </p:txBody>
-      </p:sp>
-      <p:sp>
-        <p:nvSpPr>
-          <p:cNvPr id="6" name="文本占位符 5"/>
-          <p:cNvSpPr>
-            <a:spLocks noGrp="1"/>
-          </p:cNvSpPr>
-          <p:nvPr>
-            <p:ph type="body" sz="quarter" idx="14"/>
-          </p:nvPr>
-        </p:nvSpPr>
-        <p:spPr/>
-        <p:txBody>
-          <a:bodyPr/>
-          <a:lstStyle/>
-          <a:p>
-            <a:r>
-              <a:rPr kumimoji="1" lang="zh-CN" altLang="en-US" dirty="0"/>
-              <a:t>完成进度</a:t>
-            </a:r>
+            <a:endParaRPr kumimoji="1" lang="zh-CN" altLang="en-US" sz="6000" dirty="0"/>
           </a:p>
         </p:txBody>
       </p:sp>
@@ -8569,38 +8882,21 @@
             <p:ph type="body" sz="quarter" idx="15"/>
           </p:nvPr>
         </p:nvSpPr>
-        <p:spPr/>
+        <p:spPr>
+          <a:xfrm>
+            <a:off x="3968128" y="1938190"/>
+            <a:ext cx="1732331" cy="1135350"/>
+          </a:xfrm>
+        </p:spPr>
         <p:txBody>
           <a:bodyPr/>
           <a:lstStyle/>
           <a:p>
             <a:r>
-              <a:rPr kumimoji="1" lang="en-US" altLang="zh-CN" dirty="0"/>
+              <a:rPr kumimoji="1" lang="en-US" altLang="zh-CN" sz="6000" dirty="0"/>
               <a:t>03</a:t>
             </a:r>
-            <a:endParaRPr kumimoji="1" lang="zh-CN" altLang="en-US" dirty="0"/>
-          </a:p>
-        </p:txBody>
-      </p:sp>
-      <p:sp>
-        <p:nvSpPr>
-          <p:cNvPr id="8" name="文本占位符 7"/>
-          <p:cNvSpPr>
-            <a:spLocks noGrp="1"/>
-          </p:cNvSpPr>
-          <p:nvPr>
-            <p:ph type="body" sz="quarter" idx="16"/>
-          </p:nvPr>
-        </p:nvSpPr>
-        <p:spPr/>
-        <p:txBody>
-          <a:bodyPr/>
-          <a:lstStyle/>
-          <a:p>
-            <a:r>
-              <a:rPr kumimoji="1" lang="zh-CN" altLang="en-US" dirty="0"/>
-              <a:t>遇到的问题</a:t>
-            </a:r>
+            <a:endParaRPr kumimoji="1" lang="zh-CN" altLang="en-US" sz="6000" dirty="0"/>
           </a:p>
         </p:txBody>
       </p:sp>
@@ -8614,33 +8910,10 @@
             <p:ph type="body" sz="quarter" idx="19"/>
           </p:nvPr>
         </p:nvSpPr>
-        <p:spPr/>
-        <p:txBody>
-          <a:bodyPr/>
-          <a:lstStyle/>
-          <a:p>
-            <a:r>
-              <a:rPr kumimoji="1" lang="en-US" altLang="zh-CN" dirty="0"/>
-              <a:t>04</a:t>
-            </a:r>
-            <a:endParaRPr kumimoji="1" lang="zh-CN" altLang="en-US" dirty="0"/>
-          </a:p>
-        </p:txBody>
-      </p:sp>
-      <p:sp>
-        <p:nvSpPr>
-          <p:cNvPr id="10" name="文本占位符 9"/>
-          <p:cNvSpPr>
-            <a:spLocks noGrp="1"/>
-          </p:cNvSpPr>
-          <p:nvPr>
-            <p:ph type="body" sz="quarter" idx="20"/>
-          </p:nvPr>
-        </p:nvSpPr>
         <p:spPr>
           <a:xfrm>
-            <a:off x="9273718" y="5567358"/>
-            <a:ext cx="2111677" cy="415636"/>
+            <a:off x="5392345" y="1938190"/>
+            <a:ext cx="1732331" cy="1135350"/>
           </a:xfrm>
         </p:spPr>
         <p:txBody>
@@ -8648,12 +8921,1051 @@
           <a:lstStyle/>
           <a:p>
             <a:r>
-              <a:rPr kumimoji="1" lang="zh-CN" altLang="en-US" dirty="0"/>
-              <a:t>后续完成计划</a:t>
-            </a:r>
+              <a:rPr kumimoji="1" lang="en-US" altLang="zh-CN" sz="6000" dirty="0"/>
+              <a:t>04</a:t>
+            </a:r>
+            <a:endParaRPr kumimoji="1" lang="zh-CN" altLang="en-US" sz="6000" dirty="0"/>
           </a:p>
         </p:txBody>
       </p:sp>
+      <p:cxnSp>
+        <p:nvCxnSpPr>
+          <p:cNvPr id="14" name="直接连接符 13">
+            <a:extLst>
+              <a:ext uri="{FF2B5EF4-FFF2-40B4-BE49-F238E27FC236}">
+                <a16:creationId xmlns:a16="http://schemas.microsoft.com/office/drawing/2014/main" id="{F9AB2799-933D-46B1-AD29-694F0EDBD913}"/>
+              </a:ext>
+            </a:extLst>
+          </p:cNvPr>
+          <p:cNvCxnSpPr/>
+          <p:nvPr/>
+        </p:nvCxnSpPr>
+        <p:spPr>
+          <a:xfrm>
+            <a:off x="2597367" y="1938190"/>
+            <a:ext cx="0" cy="4046973"/>
+          </a:xfrm>
+          <a:prstGeom prst="line">
+            <a:avLst/>
+          </a:prstGeom>
+        </p:spPr>
+        <p:style>
+          <a:lnRef idx="2">
+            <a:schemeClr val="accent5"/>
+          </a:lnRef>
+          <a:fillRef idx="0">
+            <a:schemeClr val="accent5"/>
+          </a:fillRef>
+          <a:effectRef idx="1">
+            <a:schemeClr val="accent5"/>
+          </a:effectRef>
+          <a:fontRef idx="minor">
+            <a:schemeClr val="tx1"/>
+          </a:fontRef>
+        </p:style>
+      </p:cxnSp>
+      <p:cxnSp>
+        <p:nvCxnSpPr>
+          <p:cNvPr id="15" name="直接连接符 14">
+            <a:extLst>
+              <a:ext uri="{FF2B5EF4-FFF2-40B4-BE49-F238E27FC236}">
+                <a16:creationId xmlns:a16="http://schemas.microsoft.com/office/drawing/2014/main" id="{D1141F99-B95D-48D9-9A73-670609716FD6}"/>
+              </a:ext>
+            </a:extLst>
+          </p:cNvPr>
+          <p:cNvCxnSpPr/>
+          <p:nvPr/>
+        </p:nvCxnSpPr>
+        <p:spPr>
+          <a:xfrm>
+            <a:off x="5307229" y="1949442"/>
+            <a:ext cx="0" cy="4046973"/>
+          </a:xfrm>
+          <a:prstGeom prst="line">
+            <a:avLst/>
+          </a:prstGeom>
+        </p:spPr>
+        <p:style>
+          <a:lnRef idx="2">
+            <a:schemeClr val="accent5"/>
+          </a:lnRef>
+          <a:fillRef idx="0">
+            <a:schemeClr val="accent5"/>
+          </a:fillRef>
+          <a:effectRef idx="1">
+            <a:schemeClr val="accent5"/>
+          </a:effectRef>
+          <a:fontRef idx="minor">
+            <a:schemeClr val="tx1"/>
+          </a:fontRef>
+        </p:style>
+      </p:cxnSp>
+      <p:sp>
+        <p:nvSpPr>
+          <p:cNvPr id="19" name="文本框 18">
+            <a:extLst>
+              <a:ext uri="{FF2B5EF4-FFF2-40B4-BE49-F238E27FC236}">
+                <a16:creationId xmlns:a16="http://schemas.microsoft.com/office/drawing/2014/main" id="{109F8933-A3A2-4246-A220-FE01F366F442}"/>
+              </a:ext>
+            </a:extLst>
+          </p:cNvPr>
+          <p:cNvSpPr txBox="1"/>
+          <p:nvPr/>
+        </p:nvSpPr>
+        <p:spPr>
+          <a:xfrm>
+            <a:off x="1543096" y="3475199"/>
+            <a:ext cx="615553" cy="1528624"/>
+          </a:xfrm>
+          <a:prstGeom prst="rect">
+            <a:avLst/>
+          </a:prstGeom>
+          <a:noFill/>
+        </p:spPr>
+        <p:txBody>
+          <a:bodyPr vert="eaVert" wrap="none" rtlCol="0">
+            <a:spAutoFit/>
+          </a:bodyPr>
+          <a:lstStyle/>
+          <a:p>
+            <a:r>
+              <a:rPr kumimoji="1" lang="zh-CN" altLang="en-US" sz="2800" b="1" dirty="0">
+                <a:solidFill>
+                  <a:schemeClr val="accent1">
+                    <a:lumMod val="50000"/>
+                  </a:schemeClr>
+                </a:solidFill>
+              </a:rPr>
+              <a:t>背景意义</a:t>
+            </a:r>
+          </a:p>
+        </p:txBody>
+      </p:sp>
+      <p:sp>
+        <p:nvSpPr>
+          <p:cNvPr id="21" name="文本框 20">
+            <a:extLst>
+              <a:ext uri="{FF2B5EF4-FFF2-40B4-BE49-F238E27FC236}">
+                <a16:creationId xmlns:a16="http://schemas.microsoft.com/office/drawing/2014/main" id="{AF86C16F-FBB8-497B-8C09-05912050E2BC}"/>
+              </a:ext>
+            </a:extLst>
+          </p:cNvPr>
+          <p:cNvSpPr txBox="1"/>
+          <p:nvPr/>
+        </p:nvSpPr>
+        <p:spPr>
+          <a:xfrm>
+            <a:off x="2935915" y="3475199"/>
+            <a:ext cx="615553" cy="1528624"/>
+          </a:xfrm>
+          <a:prstGeom prst="rect">
+            <a:avLst/>
+          </a:prstGeom>
+          <a:noFill/>
+        </p:spPr>
+        <p:txBody>
+          <a:bodyPr vert="eaVert" wrap="none" rtlCol="0">
+            <a:spAutoFit/>
+          </a:bodyPr>
+          <a:lstStyle/>
+          <a:p>
+            <a:r>
+              <a:rPr kumimoji="1" lang="zh-CN" altLang="en-US" sz="2800" b="1" dirty="0">
+                <a:solidFill>
+                  <a:schemeClr val="accent1">
+                    <a:lumMod val="50000"/>
+                  </a:schemeClr>
+                </a:solidFill>
+              </a:rPr>
+              <a:t>项目计划</a:t>
+            </a:r>
+          </a:p>
+        </p:txBody>
+      </p:sp>
+      <p:sp>
+        <p:nvSpPr>
+          <p:cNvPr id="22" name="文本框 21">
+            <a:extLst>
+              <a:ext uri="{FF2B5EF4-FFF2-40B4-BE49-F238E27FC236}">
+                <a16:creationId xmlns:a16="http://schemas.microsoft.com/office/drawing/2014/main" id="{A01B29C6-4331-43F7-A3A6-FA50AA816056}"/>
+              </a:ext>
+            </a:extLst>
+          </p:cNvPr>
+          <p:cNvSpPr txBox="1"/>
+          <p:nvPr/>
+        </p:nvSpPr>
+        <p:spPr>
+          <a:xfrm>
+            <a:off x="4291566" y="3475199"/>
+            <a:ext cx="615553" cy="1528624"/>
+          </a:xfrm>
+          <a:prstGeom prst="rect">
+            <a:avLst/>
+          </a:prstGeom>
+          <a:noFill/>
+        </p:spPr>
+        <p:txBody>
+          <a:bodyPr vert="eaVert" wrap="none" rtlCol="0">
+            <a:spAutoFit/>
+          </a:bodyPr>
+          <a:lstStyle/>
+          <a:p>
+            <a:r>
+              <a:rPr kumimoji="1" lang="zh-CN" altLang="en-US" sz="2800" b="1" dirty="0">
+                <a:solidFill>
+                  <a:schemeClr val="accent1">
+                    <a:lumMod val="50000"/>
+                  </a:schemeClr>
+                </a:solidFill>
+              </a:rPr>
+              <a:t>需求分析</a:t>
+            </a:r>
+          </a:p>
+        </p:txBody>
+      </p:sp>
+      <p:sp>
+        <p:nvSpPr>
+          <p:cNvPr id="23" name="文本框 22">
+            <a:extLst>
+              <a:ext uri="{FF2B5EF4-FFF2-40B4-BE49-F238E27FC236}">
+                <a16:creationId xmlns:a16="http://schemas.microsoft.com/office/drawing/2014/main" id="{8F173C70-FD02-4C2A-AA83-7BE9E3082282}"/>
+              </a:ext>
+            </a:extLst>
+          </p:cNvPr>
+          <p:cNvSpPr txBox="1"/>
+          <p:nvPr/>
+        </p:nvSpPr>
+        <p:spPr>
+          <a:xfrm>
+            <a:off x="5630667" y="3475199"/>
+            <a:ext cx="615553" cy="1528624"/>
+          </a:xfrm>
+          <a:prstGeom prst="rect">
+            <a:avLst/>
+          </a:prstGeom>
+          <a:noFill/>
+        </p:spPr>
+        <p:txBody>
+          <a:bodyPr vert="eaVert" wrap="none" rtlCol="0">
+            <a:spAutoFit/>
+          </a:bodyPr>
+          <a:lstStyle/>
+          <a:p>
+            <a:r>
+              <a:rPr kumimoji="1" lang="zh-CN" altLang="en-US" sz="2800" b="1" dirty="0">
+                <a:solidFill>
+                  <a:schemeClr val="accent1">
+                    <a:lumMod val="50000"/>
+                  </a:schemeClr>
+                </a:solidFill>
+              </a:rPr>
+              <a:t>架构设计</a:t>
+            </a:r>
+          </a:p>
+        </p:txBody>
+      </p:sp>
+      <p:cxnSp>
+        <p:nvCxnSpPr>
+          <p:cNvPr id="24" name="直接连接符 23">
+            <a:extLst>
+              <a:ext uri="{FF2B5EF4-FFF2-40B4-BE49-F238E27FC236}">
+                <a16:creationId xmlns:a16="http://schemas.microsoft.com/office/drawing/2014/main" id="{44AD9742-B992-4F70-B247-FF888EEF22F4}"/>
+              </a:ext>
+            </a:extLst>
+          </p:cNvPr>
+          <p:cNvCxnSpPr/>
+          <p:nvPr/>
+        </p:nvCxnSpPr>
+        <p:spPr>
+          <a:xfrm>
+            <a:off x="7888504" y="1949441"/>
+            <a:ext cx="0" cy="4046973"/>
+          </a:xfrm>
+          <a:prstGeom prst="line">
+            <a:avLst/>
+          </a:prstGeom>
+        </p:spPr>
+        <p:style>
+          <a:lnRef idx="2">
+            <a:schemeClr val="accent5"/>
+          </a:lnRef>
+          <a:fillRef idx="0">
+            <a:schemeClr val="accent5"/>
+          </a:fillRef>
+          <a:effectRef idx="1">
+            <a:schemeClr val="accent5"/>
+          </a:effectRef>
+          <a:fontRef idx="minor">
+            <a:schemeClr val="tx1"/>
+          </a:fontRef>
+        </p:style>
+      </p:cxnSp>
+      <p:sp>
+        <p:nvSpPr>
+          <p:cNvPr id="28" name="文本占位符 8">
+            <a:extLst>
+              <a:ext uri="{FF2B5EF4-FFF2-40B4-BE49-F238E27FC236}">
+                <a16:creationId xmlns:a16="http://schemas.microsoft.com/office/drawing/2014/main" id="{87ECCB14-2BE7-4095-A13A-75DD3CB0A25C}"/>
+              </a:ext>
+            </a:extLst>
+          </p:cNvPr>
+          <p:cNvSpPr txBox="1">
+            <a:spLocks/>
+          </p:cNvSpPr>
+          <p:nvPr/>
+        </p:nvSpPr>
+        <p:spPr>
+          <a:xfrm>
+            <a:off x="6640425" y="1949441"/>
+            <a:ext cx="1732331" cy="1135350"/>
+          </a:xfrm>
+          <a:prstGeom prst="rect">
+            <a:avLst/>
+          </a:prstGeom>
+        </p:spPr>
+        <p:txBody>
+          <a:bodyPr/>
+          <a:lstStyle>
+            <a:lvl1pPr marL="0" indent="0" algn="l" defTabSz="914400" rtl="0" eaLnBrk="1" latinLnBrk="0" hangingPunct="1">
+              <a:lnSpc>
+                <a:spcPct val="90000"/>
+              </a:lnSpc>
+              <a:spcBef>
+                <a:spcPts val="1000"/>
+              </a:spcBef>
+              <a:buFont typeface="Arial" pitchFamily="34" charset="0"/>
+              <a:buNone/>
+              <a:defRPr sz="8800" b="1" kern="1200">
+                <a:solidFill>
+                  <a:schemeClr val="accent1">
+                    <a:lumMod val="50000"/>
+                  </a:schemeClr>
+                </a:solidFill>
+                <a:latin typeface="+mn-lt"/>
+                <a:ea typeface="+mn-ea"/>
+                <a:cs typeface="+mn-cs"/>
+              </a:defRPr>
+            </a:lvl1pPr>
+            <a:lvl2pPr marL="685800" indent="-228600" algn="l" defTabSz="914400" rtl="0" eaLnBrk="1" latinLnBrk="0" hangingPunct="1">
+              <a:lnSpc>
+                <a:spcPct val="90000"/>
+              </a:lnSpc>
+              <a:spcBef>
+                <a:spcPts val="500"/>
+              </a:spcBef>
+              <a:buFont typeface="Arial" pitchFamily="34" charset="0"/>
+              <a:buChar char="•"/>
+              <a:defRPr sz="2400" kern="1200">
+                <a:solidFill>
+                  <a:schemeClr val="tx1"/>
+                </a:solidFill>
+                <a:latin typeface="+mn-lt"/>
+                <a:ea typeface="+mn-ea"/>
+                <a:cs typeface="+mn-cs"/>
+              </a:defRPr>
+            </a:lvl2pPr>
+            <a:lvl3pPr marL="1143000" indent="-228600" algn="l" defTabSz="914400" rtl="0" eaLnBrk="1" latinLnBrk="0" hangingPunct="1">
+              <a:lnSpc>
+                <a:spcPct val="90000"/>
+              </a:lnSpc>
+              <a:spcBef>
+                <a:spcPts val="500"/>
+              </a:spcBef>
+              <a:buFont typeface="Arial" pitchFamily="34" charset="0"/>
+              <a:buChar char="•"/>
+              <a:defRPr sz="2000" kern="1200">
+                <a:solidFill>
+                  <a:schemeClr val="tx1"/>
+                </a:solidFill>
+                <a:latin typeface="+mn-lt"/>
+                <a:ea typeface="+mn-ea"/>
+                <a:cs typeface="+mn-cs"/>
+              </a:defRPr>
+            </a:lvl3pPr>
+            <a:lvl4pPr marL="1600200" indent="-228600" algn="l" defTabSz="914400" rtl="0" eaLnBrk="1" latinLnBrk="0" hangingPunct="1">
+              <a:lnSpc>
+                <a:spcPct val="90000"/>
+              </a:lnSpc>
+              <a:spcBef>
+                <a:spcPts val="500"/>
+              </a:spcBef>
+              <a:buFont typeface="Arial" pitchFamily="34" charset="0"/>
+              <a:buChar char="•"/>
+              <a:defRPr sz="1800" kern="1200">
+                <a:solidFill>
+                  <a:schemeClr val="tx1"/>
+                </a:solidFill>
+                <a:latin typeface="+mn-lt"/>
+                <a:ea typeface="+mn-ea"/>
+                <a:cs typeface="+mn-cs"/>
+              </a:defRPr>
+            </a:lvl4pPr>
+            <a:lvl5pPr marL="2057400" indent="-228600" algn="l" defTabSz="914400" rtl="0" eaLnBrk="1" latinLnBrk="0" hangingPunct="1">
+              <a:lnSpc>
+                <a:spcPct val="90000"/>
+              </a:lnSpc>
+              <a:spcBef>
+                <a:spcPts val="500"/>
+              </a:spcBef>
+              <a:buFont typeface="Arial" pitchFamily="34" charset="0"/>
+              <a:buChar char="•"/>
+              <a:defRPr sz="1800" kern="1200">
+                <a:solidFill>
+                  <a:schemeClr val="tx1"/>
+                </a:solidFill>
+                <a:latin typeface="+mn-lt"/>
+                <a:ea typeface="+mn-ea"/>
+                <a:cs typeface="+mn-cs"/>
+              </a:defRPr>
+            </a:lvl5pPr>
+            <a:lvl6pPr marL="2514600" indent="-228600" algn="l" defTabSz="914400" rtl="0" eaLnBrk="1" latinLnBrk="0" hangingPunct="1">
+              <a:lnSpc>
+                <a:spcPct val="90000"/>
+              </a:lnSpc>
+              <a:spcBef>
+                <a:spcPts val="500"/>
+              </a:spcBef>
+              <a:buFont typeface="Arial" pitchFamily="34" charset="0"/>
+              <a:buChar char="•"/>
+              <a:defRPr sz="1800" kern="1200">
+                <a:solidFill>
+                  <a:schemeClr val="tx1"/>
+                </a:solidFill>
+                <a:latin typeface="+mn-lt"/>
+                <a:ea typeface="+mn-ea"/>
+                <a:cs typeface="+mn-cs"/>
+              </a:defRPr>
+            </a:lvl6pPr>
+            <a:lvl7pPr marL="2971800" indent="-228600" algn="l" defTabSz="914400" rtl="0" eaLnBrk="1" latinLnBrk="0" hangingPunct="1">
+              <a:lnSpc>
+                <a:spcPct val="90000"/>
+              </a:lnSpc>
+              <a:spcBef>
+                <a:spcPts val="500"/>
+              </a:spcBef>
+              <a:buFont typeface="Arial" pitchFamily="34" charset="0"/>
+              <a:buChar char="•"/>
+              <a:defRPr sz="1800" kern="1200">
+                <a:solidFill>
+                  <a:schemeClr val="tx1"/>
+                </a:solidFill>
+                <a:latin typeface="+mn-lt"/>
+                <a:ea typeface="+mn-ea"/>
+                <a:cs typeface="+mn-cs"/>
+              </a:defRPr>
+            </a:lvl7pPr>
+            <a:lvl8pPr marL="3429000" indent="-228600" algn="l" defTabSz="914400" rtl="0" eaLnBrk="1" latinLnBrk="0" hangingPunct="1">
+              <a:lnSpc>
+                <a:spcPct val="90000"/>
+              </a:lnSpc>
+              <a:spcBef>
+                <a:spcPts val="500"/>
+              </a:spcBef>
+              <a:buFont typeface="Arial" pitchFamily="34" charset="0"/>
+              <a:buChar char="•"/>
+              <a:defRPr sz="1800" kern="1200">
+                <a:solidFill>
+                  <a:schemeClr val="tx1"/>
+                </a:solidFill>
+                <a:latin typeface="+mn-lt"/>
+                <a:ea typeface="+mn-ea"/>
+                <a:cs typeface="+mn-cs"/>
+              </a:defRPr>
+            </a:lvl8pPr>
+            <a:lvl9pPr marL="3886200" indent="-228600" algn="l" defTabSz="914400" rtl="0" eaLnBrk="1" latinLnBrk="0" hangingPunct="1">
+              <a:lnSpc>
+                <a:spcPct val="90000"/>
+              </a:lnSpc>
+              <a:spcBef>
+                <a:spcPts val="500"/>
+              </a:spcBef>
+              <a:buFont typeface="Arial" pitchFamily="34" charset="0"/>
+              <a:buChar char="•"/>
+              <a:defRPr sz="1800" kern="1200">
+                <a:solidFill>
+                  <a:schemeClr val="tx1"/>
+                </a:solidFill>
+                <a:latin typeface="+mn-lt"/>
+                <a:ea typeface="+mn-ea"/>
+                <a:cs typeface="+mn-cs"/>
+              </a:defRPr>
+            </a:lvl9pPr>
+          </a:lstStyle>
+          <a:p>
+            <a:r>
+              <a:rPr kumimoji="1" lang="en-US" altLang="zh-CN" sz="6000" dirty="0"/>
+              <a:t>05</a:t>
+            </a:r>
+            <a:endParaRPr kumimoji="1" lang="zh-CN" altLang="en-US" sz="6000" dirty="0"/>
+          </a:p>
+        </p:txBody>
+      </p:sp>
+      <p:sp>
+        <p:nvSpPr>
+          <p:cNvPr id="29" name="文本占位符 8">
+            <a:extLst>
+              <a:ext uri="{FF2B5EF4-FFF2-40B4-BE49-F238E27FC236}">
+                <a16:creationId xmlns:a16="http://schemas.microsoft.com/office/drawing/2014/main" id="{5CD2E4C9-729C-4C0D-877E-37EC1918A910}"/>
+              </a:ext>
+            </a:extLst>
+          </p:cNvPr>
+          <p:cNvSpPr txBox="1">
+            <a:spLocks/>
+          </p:cNvSpPr>
+          <p:nvPr/>
+        </p:nvSpPr>
+        <p:spPr>
+          <a:xfrm>
+            <a:off x="7948678" y="1936021"/>
+            <a:ext cx="1732331" cy="1135350"/>
+          </a:xfrm>
+          <a:prstGeom prst="rect">
+            <a:avLst/>
+          </a:prstGeom>
+        </p:spPr>
+        <p:txBody>
+          <a:bodyPr/>
+          <a:lstStyle>
+            <a:lvl1pPr marL="0" indent="0" algn="l" defTabSz="914400" rtl="0" eaLnBrk="1" latinLnBrk="0" hangingPunct="1">
+              <a:lnSpc>
+                <a:spcPct val="90000"/>
+              </a:lnSpc>
+              <a:spcBef>
+                <a:spcPts val="1000"/>
+              </a:spcBef>
+              <a:buFont typeface="Arial" pitchFamily="34" charset="0"/>
+              <a:buNone/>
+              <a:defRPr sz="8800" b="1" kern="1200">
+                <a:solidFill>
+                  <a:schemeClr val="accent1">
+                    <a:lumMod val="50000"/>
+                  </a:schemeClr>
+                </a:solidFill>
+                <a:latin typeface="+mn-lt"/>
+                <a:ea typeface="+mn-ea"/>
+                <a:cs typeface="+mn-cs"/>
+              </a:defRPr>
+            </a:lvl1pPr>
+            <a:lvl2pPr marL="685800" indent="-228600" algn="l" defTabSz="914400" rtl="0" eaLnBrk="1" latinLnBrk="0" hangingPunct="1">
+              <a:lnSpc>
+                <a:spcPct val="90000"/>
+              </a:lnSpc>
+              <a:spcBef>
+                <a:spcPts val="500"/>
+              </a:spcBef>
+              <a:buFont typeface="Arial" pitchFamily="34" charset="0"/>
+              <a:buChar char="•"/>
+              <a:defRPr sz="2400" kern="1200">
+                <a:solidFill>
+                  <a:schemeClr val="tx1"/>
+                </a:solidFill>
+                <a:latin typeface="+mn-lt"/>
+                <a:ea typeface="+mn-ea"/>
+                <a:cs typeface="+mn-cs"/>
+              </a:defRPr>
+            </a:lvl2pPr>
+            <a:lvl3pPr marL="1143000" indent="-228600" algn="l" defTabSz="914400" rtl="0" eaLnBrk="1" latinLnBrk="0" hangingPunct="1">
+              <a:lnSpc>
+                <a:spcPct val="90000"/>
+              </a:lnSpc>
+              <a:spcBef>
+                <a:spcPts val="500"/>
+              </a:spcBef>
+              <a:buFont typeface="Arial" pitchFamily="34" charset="0"/>
+              <a:buChar char="•"/>
+              <a:defRPr sz="2000" kern="1200">
+                <a:solidFill>
+                  <a:schemeClr val="tx1"/>
+                </a:solidFill>
+                <a:latin typeface="+mn-lt"/>
+                <a:ea typeface="+mn-ea"/>
+                <a:cs typeface="+mn-cs"/>
+              </a:defRPr>
+            </a:lvl3pPr>
+            <a:lvl4pPr marL="1600200" indent="-228600" algn="l" defTabSz="914400" rtl="0" eaLnBrk="1" latinLnBrk="0" hangingPunct="1">
+              <a:lnSpc>
+                <a:spcPct val="90000"/>
+              </a:lnSpc>
+              <a:spcBef>
+                <a:spcPts val="500"/>
+              </a:spcBef>
+              <a:buFont typeface="Arial" pitchFamily="34" charset="0"/>
+              <a:buChar char="•"/>
+              <a:defRPr sz="1800" kern="1200">
+                <a:solidFill>
+                  <a:schemeClr val="tx1"/>
+                </a:solidFill>
+                <a:latin typeface="+mn-lt"/>
+                <a:ea typeface="+mn-ea"/>
+                <a:cs typeface="+mn-cs"/>
+              </a:defRPr>
+            </a:lvl4pPr>
+            <a:lvl5pPr marL="2057400" indent="-228600" algn="l" defTabSz="914400" rtl="0" eaLnBrk="1" latinLnBrk="0" hangingPunct="1">
+              <a:lnSpc>
+                <a:spcPct val="90000"/>
+              </a:lnSpc>
+              <a:spcBef>
+                <a:spcPts val="500"/>
+              </a:spcBef>
+              <a:buFont typeface="Arial" pitchFamily="34" charset="0"/>
+              <a:buChar char="•"/>
+              <a:defRPr sz="1800" kern="1200">
+                <a:solidFill>
+                  <a:schemeClr val="tx1"/>
+                </a:solidFill>
+                <a:latin typeface="+mn-lt"/>
+                <a:ea typeface="+mn-ea"/>
+                <a:cs typeface="+mn-cs"/>
+              </a:defRPr>
+            </a:lvl5pPr>
+            <a:lvl6pPr marL="2514600" indent="-228600" algn="l" defTabSz="914400" rtl="0" eaLnBrk="1" latinLnBrk="0" hangingPunct="1">
+              <a:lnSpc>
+                <a:spcPct val="90000"/>
+              </a:lnSpc>
+              <a:spcBef>
+                <a:spcPts val="500"/>
+              </a:spcBef>
+              <a:buFont typeface="Arial" pitchFamily="34" charset="0"/>
+              <a:buChar char="•"/>
+              <a:defRPr sz="1800" kern="1200">
+                <a:solidFill>
+                  <a:schemeClr val="tx1"/>
+                </a:solidFill>
+                <a:latin typeface="+mn-lt"/>
+                <a:ea typeface="+mn-ea"/>
+                <a:cs typeface="+mn-cs"/>
+              </a:defRPr>
+            </a:lvl6pPr>
+            <a:lvl7pPr marL="2971800" indent="-228600" algn="l" defTabSz="914400" rtl="0" eaLnBrk="1" latinLnBrk="0" hangingPunct="1">
+              <a:lnSpc>
+                <a:spcPct val="90000"/>
+              </a:lnSpc>
+              <a:spcBef>
+                <a:spcPts val="500"/>
+              </a:spcBef>
+              <a:buFont typeface="Arial" pitchFamily="34" charset="0"/>
+              <a:buChar char="•"/>
+              <a:defRPr sz="1800" kern="1200">
+                <a:solidFill>
+                  <a:schemeClr val="tx1"/>
+                </a:solidFill>
+                <a:latin typeface="+mn-lt"/>
+                <a:ea typeface="+mn-ea"/>
+                <a:cs typeface="+mn-cs"/>
+              </a:defRPr>
+            </a:lvl7pPr>
+            <a:lvl8pPr marL="3429000" indent="-228600" algn="l" defTabSz="914400" rtl="0" eaLnBrk="1" latinLnBrk="0" hangingPunct="1">
+              <a:lnSpc>
+                <a:spcPct val="90000"/>
+              </a:lnSpc>
+              <a:spcBef>
+                <a:spcPts val="500"/>
+              </a:spcBef>
+              <a:buFont typeface="Arial" pitchFamily="34" charset="0"/>
+              <a:buChar char="•"/>
+              <a:defRPr sz="1800" kern="1200">
+                <a:solidFill>
+                  <a:schemeClr val="tx1"/>
+                </a:solidFill>
+                <a:latin typeface="+mn-lt"/>
+                <a:ea typeface="+mn-ea"/>
+                <a:cs typeface="+mn-cs"/>
+              </a:defRPr>
+            </a:lvl8pPr>
+            <a:lvl9pPr marL="3886200" indent="-228600" algn="l" defTabSz="914400" rtl="0" eaLnBrk="1" latinLnBrk="0" hangingPunct="1">
+              <a:lnSpc>
+                <a:spcPct val="90000"/>
+              </a:lnSpc>
+              <a:spcBef>
+                <a:spcPts val="500"/>
+              </a:spcBef>
+              <a:buFont typeface="Arial" pitchFamily="34" charset="0"/>
+              <a:buChar char="•"/>
+              <a:defRPr sz="1800" kern="1200">
+                <a:solidFill>
+                  <a:schemeClr val="tx1"/>
+                </a:solidFill>
+                <a:latin typeface="+mn-lt"/>
+                <a:ea typeface="+mn-ea"/>
+                <a:cs typeface="+mn-cs"/>
+              </a:defRPr>
+            </a:lvl9pPr>
+          </a:lstStyle>
+          <a:p>
+            <a:r>
+              <a:rPr kumimoji="1" lang="en-US" altLang="zh-CN" sz="6000" dirty="0"/>
+              <a:t>06</a:t>
+            </a:r>
+            <a:endParaRPr kumimoji="1" lang="zh-CN" altLang="en-US" sz="6000" dirty="0"/>
+          </a:p>
+        </p:txBody>
+      </p:sp>
+      <p:sp>
+        <p:nvSpPr>
+          <p:cNvPr id="36" name="文本框 35">
+            <a:extLst>
+              <a:ext uri="{FF2B5EF4-FFF2-40B4-BE49-F238E27FC236}">
+                <a16:creationId xmlns:a16="http://schemas.microsoft.com/office/drawing/2014/main" id="{93E35B13-947D-48E5-B9B0-B3FA9608C211}"/>
+              </a:ext>
+            </a:extLst>
+          </p:cNvPr>
+          <p:cNvSpPr txBox="1"/>
+          <p:nvPr/>
+        </p:nvSpPr>
+        <p:spPr>
+          <a:xfrm>
+            <a:off x="6949514" y="3492823"/>
+            <a:ext cx="615553" cy="1528624"/>
+          </a:xfrm>
+          <a:prstGeom prst="rect">
+            <a:avLst/>
+          </a:prstGeom>
+          <a:noFill/>
+        </p:spPr>
+        <p:txBody>
+          <a:bodyPr vert="eaVert" wrap="none" rtlCol="0">
+            <a:spAutoFit/>
+          </a:bodyPr>
+          <a:lstStyle/>
+          <a:p>
+            <a:r>
+              <a:rPr kumimoji="1" lang="zh-CN" altLang="en-US" sz="2800" b="1" dirty="0">
+                <a:solidFill>
+                  <a:schemeClr val="accent1">
+                    <a:lumMod val="50000"/>
+                  </a:schemeClr>
+                </a:solidFill>
+              </a:rPr>
+              <a:t>过程设计</a:t>
+            </a:r>
+          </a:p>
+        </p:txBody>
+      </p:sp>
+      <p:sp>
+        <p:nvSpPr>
+          <p:cNvPr id="37" name="文本框 36">
+            <a:extLst>
+              <a:ext uri="{FF2B5EF4-FFF2-40B4-BE49-F238E27FC236}">
+                <a16:creationId xmlns:a16="http://schemas.microsoft.com/office/drawing/2014/main" id="{157C6CE2-DF43-44F7-AA66-349710AB2964}"/>
+              </a:ext>
+            </a:extLst>
+          </p:cNvPr>
+          <p:cNvSpPr txBox="1"/>
+          <p:nvPr/>
+        </p:nvSpPr>
+        <p:spPr>
+          <a:xfrm>
+            <a:off x="8306061" y="3475199"/>
+            <a:ext cx="615553" cy="1528624"/>
+          </a:xfrm>
+          <a:prstGeom prst="rect">
+            <a:avLst/>
+          </a:prstGeom>
+          <a:noFill/>
+        </p:spPr>
+        <p:txBody>
+          <a:bodyPr vert="eaVert" wrap="none" rtlCol="0">
+            <a:spAutoFit/>
+          </a:bodyPr>
+          <a:lstStyle>
+            <a:defPPr>
+              <a:defRPr lang="zh-CN"/>
+            </a:defPPr>
+            <a:lvl1pPr>
+              <a:defRPr kumimoji="1" sz="2800" b="1">
+                <a:solidFill>
+                  <a:schemeClr val="accent1">
+                    <a:lumMod val="50000"/>
+                  </a:schemeClr>
+                </a:solidFill>
+              </a:defRPr>
+            </a:lvl1pPr>
+          </a:lstStyle>
+          <a:p>
+            <a:r>
+              <a:rPr lang="zh-CN" altLang="en-US" dirty="0"/>
+              <a:t>软件界面</a:t>
+            </a:r>
+          </a:p>
+        </p:txBody>
+      </p:sp>
+      <p:sp>
+        <p:nvSpPr>
+          <p:cNvPr id="38" name="文本占位符 8">
+            <a:extLst>
+              <a:ext uri="{FF2B5EF4-FFF2-40B4-BE49-F238E27FC236}">
+                <a16:creationId xmlns:a16="http://schemas.microsoft.com/office/drawing/2014/main" id="{DD1BC1D7-77AC-40BD-9D6C-A8CA8145B49D}"/>
+              </a:ext>
+            </a:extLst>
+          </p:cNvPr>
+          <p:cNvSpPr txBox="1">
+            <a:spLocks/>
+          </p:cNvSpPr>
+          <p:nvPr/>
+        </p:nvSpPr>
+        <p:spPr>
+          <a:xfrm>
+            <a:off x="9418301" y="1936021"/>
+            <a:ext cx="1732331" cy="1135350"/>
+          </a:xfrm>
+          <a:prstGeom prst="rect">
+            <a:avLst/>
+          </a:prstGeom>
+        </p:spPr>
+        <p:txBody>
+          <a:bodyPr/>
+          <a:lstStyle>
+            <a:lvl1pPr marL="0" indent="0" algn="l" defTabSz="914400" rtl="0" eaLnBrk="1" latinLnBrk="0" hangingPunct="1">
+              <a:lnSpc>
+                <a:spcPct val="90000"/>
+              </a:lnSpc>
+              <a:spcBef>
+                <a:spcPts val="1000"/>
+              </a:spcBef>
+              <a:buFont typeface="Arial" pitchFamily="34" charset="0"/>
+              <a:buNone/>
+              <a:defRPr sz="8800" b="1" kern="1200">
+                <a:solidFill>
+                  <a:schemeClr val="accent1">
+                    <a:lumMod val="50000"/>
+                  </a:schemeClr>
+                </a:solidFill>
+                <a:latin typeface="+mn-lt"/>
+                <a:ea typeface="+mn-ea"/>
+                <a:cs typeface="+mn-cs"/>
+              </a:defRPr>
+            </a:lvl1pPr>
+            <a:lvl2pPr marL="685800" indent="-228600" algn="l" defTabSz="914400" rtl="0" eaLnBrk="1" latinLnBrk="0" hangingPunct="1">
+              <a:lnSpc>
+                <a:spcPct val="90000"/>
+              </a:lnSpc>
+              <a:spcBef>
+                <a:spcPts val="500"/>
+              </a:spcBef>
+              <a:buFont typeface="Arial" pitchFamily="34" charset="0"/>
+              <a:buChar char="•"/>
+              <a:defRPr sz="2400" kern="1200">
+                <a:solidFill>
+                  <a:schemeClr val="tx1"/>
+                </a:solidFill>
+                <a:latin typeface="+mn-lt"/>
+                <a:ea typeface="+mn-ea"/>
+                <a:cs typeface="+mn-cs"/>
+              </a:defRPr>
+            </a:lvl2pPr>
+            <a:lvl3pPr marL="1143000" indent="-228600" algn="l" defTabSz="914400" rtl="0" eaLnBrk="1" latinLnBrk="0" hangingPunct="1">
+              <a:lnSpc>
+                <a:spcPct val="90000"/>
+              </a:lnSpc>
+              <a:spcBef>
+                <a:spcPts val="500"/>
+              </a:spcBef>
+              <a:buFont typeface="Arial" pitchFamily="34" charset="0"/>
+              <a:buChar char="•"/>
+              <a:defRPr sz="2000" kern="1200">
+                <a:solidFill>
+                  <a:schemeClr val="tx1"/>
+                </a:solidFill>
+                <a:latin typeface="+mn-lt"/>
+                <a:ea typeface="+mn-ea"/>
+                <a:cs typeface="+mn-cs"/>
+              </a:defRPr>
+            </a:lvl3pPr>
+            <a:lvl4pPr marL="1600200" indent="-228600" algn="l" defTabSz="914400" rtl="0" eaLnBrk="1" latinLnBrk="0" hangingPunct="1">
+              <a:lnSpc>
+                <a:spcPct val="90000"/>
+              </a:lnSpc>
+              <a:spcBef>
+                <a:spcPts val="500"/>
+              </a:spcBef>
+              <a:buFont typeface="Arial" pitchFamily="34" charset="0"/>
+              <a:buChar char="•"/>
+              <a:defRPr sz="1800" kern="1200">
+                <a:solidFill>
+                  <a:schemeClr val="tx1"/>
+                </a:solidFill>
+                <a:latin typeface="+mn-lt"/>
+                <a:ea typeface="+mn-ea"/>
+                <a:cs typeface="+mn-cs"/>
+              </a:defRPr>
+            </a:lvl4pPr>
+            <a:lvl5pPr marL="2057400" indent="-228600" algn="l" defTabSz="914400" rtl="0" eaLnBrk="1" latinLnBrk="0" hangingPunct="1">
+              <a:lnSpc>
+                <a:spcPct val="90000"/>
+              </a:lnSpc>
+              <a:spcBef>
+                <a:spcPts val="500"/>
+              </a:spcBef>
+              <a:buFont typeface="Arial" pitchFamily="34" charset="0"/>
+              <a:buChar char="•"/>
+              <a:defRPr sz="1800" kern="1200">
+                <a:solidFill>
+                  <a:schemeClr val="tx1"/>
+                </a:solidFill>
+                <a:latin typeface="+mn-lt"/>
+                <a:ea typeface="+mn-ea"/>
+                <a:cs typeface="+mn-cs"/>
+              </a:defRPr>
+            </a:lvl5pPr>
+            <a:lvl6pPr marL="2514600" indent="-228600" algn="l" defTabSz="914400" rtl="0" eaLnBrk="1" latinLnBrk="0" hangingPunct="1">
+              <a:lnSpc>
+                <a:spcPct val="90000"/>
+              </a:lnSpc>
+              <a:spcBef>
+                <a:spcPts val="500"/>
+              </a:spcBef>
+              <a:buFont typeface="Arial" pitchFamily="34" charset="0"/>
+              <a:buChar char="•"/>
+              <a:defRPr sz="1800" kern="1200">
+                <a:solidFill>
+                  <a:schemeClr val="tx1"/>
+                </a:solidFill>
+                <a:latin typeface="+mn-lt"/>
+                <a:ea typeface="+mn-ea"/>
+                <a:cs typeface="+mn-cs"/>
+              </a:defRPr>
+            </a:lvl6pPr>
+            <a:lvl7pPr marL="2971800" indent="-228600" algn="l" defTabSz="914400" rtl="0" eaLnBrk="1" latinLnBrk="0" hangingPunct="1">
+              <a:lnSpc>
+                <a:spcPct val="90000"/>
+              </a:lnSpc>
+              <a:spcBef>
+                <a:spcPts val="500"/>
+              </a:spcBef>
+              <a:buFont typeface="Arial" pitchFamily="34" charset="0"/>
+              <a:buChar char="•"/>
+              <a:defRPr sz="1800" kern="1200">
+                <a:solidFill>
+                  <a:schemeClr val="tx1"/>
+                </a:solidFill>
+                <a:latin typeface="+mn-lt"/>
+                <a:ea typeface="+mn-ea"/>
+                <a:cs typeface="+mn-cs"/>
+              </a:defRPr>
+            </a:lvl7pPr>
+            <a:lvl8pPr marL="3429000" indent="-228600" algn="l" defTabSz="914400" rtl="0" eaLnBrk="1" latinLnBrk="0" hangingPunct="1">
+              <a:lnSpc>
+                <a:spcPct val="90000"/>
+              </a:lnSpc>
+              <a:spcBef>
+                <a:spcPts val="500"/>
+              </a:spcBef>
+              <a:buFont typeface="Arial" pitchFamily="34" charset="0"/>
+              <a:buChar char="•"/>
+              <a:defRPr sz="1800" kern="1200">
+                <a:solidFill>
+                  <a:schemeClr val="tx1"/>
+                </a:solidFill>
+                <a:latin typeface="+mn-lt"/>
+                <a:ea typeface="+mn-ea"/>
+                <a:cs typeface="+mn-cs"/>
+              </a:defRPr>
+            </a:lvl8pPr>
+            <a:lvl9pPr marL="3886200" indent="-228600" algn="l" defTabSz="914400" rtl="0" eaLnBrk="1" latinLnBrk="0" hangingPunct="1">
+              <a:lnSpc>
+                <a:spcPct val="90000"/>
+              </a:lnSpc>
+              <a:spcBef>
+                <a:spcPts val="500"/>
+              </a:spcBef>
+              <a:buFont typeface="Arial" pitchFamily="34" charset="0"/>
+              <a:buChar char="•"/>
+              <a:defRPr sz="1800" kern="1200">
+                <a:solidFill>
+                  <a:schemeClr val="tx1"/>
+                </a:solidFill>
+                <a:latin typeface="+mn-lt"/>
+                <a:ea typeface="+mn-ea"/>
+                <a:cs typeface="+mn-cs"/>
+              </a:defRPr>
+            </a:lvl9pPr>
+          </a:lstStyle>
+          <a:p>
+            <a:r>
+              <a:rPr kumimoji="1" lang="en-US" altLang="zh-CN" sz="6000" dirty="0"/>
+              <a:t>07</a:t>
+            </a:r>
+            <a:endParaRPr kumimoji="1" lang="zh-CN" altLang="en-US" sz="6000" dirty="0"/>
+          </a:p>
+        </p:txBody>
+      </p:sp>
+      <p:sp>
+        <p:nvSpPr>
+          <p:cNvPr id="39" name="文本框 38">
+            <a:extLst>
+              <a:ext uri="{FF2B5EF4-FFF2-40B4-BE49-F238E27FC236}">
+                <a16:creationId xmlns:a16="http://schemas.microsoft.com/office/drawing/2014/main" id="{AB7265F0-EF9C-43D3-9AD7-3C9A1E53A603}"/>
+              </a:ext>
+            </a:extLst>
+          </p:cNvPr>
+          <p:cNvSpPr txBox="1"/>
+          <p:nvPr/>
+        </p:nvSpPr>
+        <p:spPr>
+          <a:xfrm>
+            <a:off x="9681009" y="3429000"/>
+            <a:ext cx="615553" cy="1887696"/>
+          </a:xfrm>
+          <a:prstGeom prst="rect">
+            <a:avLst/>
+          </a:prstGeom>
+          <a:noFill/>
+        </p:spPr>
+        <p:txBody>
+          <a:bodyPr vert="eaVert" wrap="none" rtlCol="0">
+            <a:spAutoFit/>
+          </a:bodyPr>
+          <a:lstStyle/>
+          <a:p>
+            <a:r>
+              <a:rPr kumimoji="1" lang="zh-CN" altLang="en-US" sz="2800" b="1" dirty="0">
+                <a:solidFill>
+                  <a:schemeClr val="accent1">
+                    <a:lumMod val="50000"/>
+                  </a:schemeClr>
+                </a:solidFill>
+              </a:rPr>
+              <a:t>下一步工作</a:t>
+            </a:r>
+          </a:p>
+        </p:txBody>
+      </p:sp>
+      <p:cxnSp>
+        <p:nvCxnSpPr>
+          <p:cNvPr id="40" name="直接连接符 39">
+            <a:extLst>
+              <a:ext uri="{FF2B5EF4-FFF2-40B4-BE49-F238E27FC236}">
+                <a16:creationId xmlns:a16="http://schemas.microsoft.com/office/drawing/2014/main" id="{0E400E93-8AE1-4B08-BA8F-11E6DE8B4E2C}"/>
+              </a:ext>
+            </a:extLst>
+          </p:cNvPr>
+          <p:cNvCxnSpPr/>
+          <p:nvPr/>
+        </p:nvCxnSpPr>
+        <p:spPr>
+          <a:xfrm>
+            <a:off x="10584079" y="1936021"/>
+            <a:ext cx="0" cy="4046973"/>
+          </a:xfrm>
+          <a:prstGeom prst="line">
+            <a:avLst/>
+          </a:prstGeom>
+        </p:spPr>
+        <p:style>
+          <a:lnRef idx="2">
+            <a:schemeClr val="accent5"/>
+          </a:lnRef>
+          <a:fillRef idx="0">
+            <a:schemeClr val="accent5"/>
+          </a:fillRef>
+          <a:effectRef idx="1">
+            <a:schemeClr val="accent5"/>
+          </a:effectRef>
+          <a:fontRef idx="minor">
+            <a:schemeClr val="tx1"/>
+          </a:fontRef>
+        </p:style>
+      </p:cxnSp>
     </p:spTree>
   </p:cSld>
   <p:clrMapOvr>
@@ -9278,7 +10590,7 @@
               </a:lnSpc>
               <a:extLst>
                 <a:ext uri="{35155182-B16C-46BC-9424-99874614C6A1}">
-                  <wpsdc:indentchars xmlns="" xmlns:wpsdc="http://www.wps.cn/officeDocument/2017/drawingmlCustomData" xmlns:lc="http://schemas.openxmlformats.org/drawingml/2006/lockedCanvas" val="200" checksum="1077528236"/>
+                  <wpsdc:indentchars xmlns:lc="http://schemas.openxmlformats.org/drawingml/2006/lockedCanvas" xmlns:wpsdc="http://www.wps.cn/officeDocument/2017/drawingmlCustomData" xmlns="" val="200" checksum="1077528236"/>
                 </a:ext>
               </a:extLst>
             </a:pPr>
@@ -9316,7 +10628,7 @@
               </a:lnSpc>
               <a:extLst>
                 <a:ext uri="{35155182-B16C-46BC-9424-99874614C6A1}">
-                  <wpsdc:indentchars xmlns="" xmlns:wpsdc="http://www.wps.cn/officeDocument/2017/drawingmlCustomData" xmlns:lc="http://schemas.openxmlformats.org/drawingml/2006/lockedCanvas" val="200" checksum="1077528236"/>
+                  <wpsdc:indentchars xmlns:lc="http://schemas.openxmlformats.org/drawingml/2006/lockedCanvas" xmlns:wpsdc="http://www.wps.cn/officeDocument/2017/drawingmlCustomData" xmlns="" val="200" checksum="1077528236"/>
                 </a:ext>
               </a:extLst>
             </a:pPr>
@@ -9354,7 +10666,7 @@
               </a:lnSpc>
               <a:extLst>
                 <a:ext uri="{35155182-B16C-46BC-9424-99874614C6A1}">
-                  <wpsdc:indentchars xmlns="" xmlns:wpsdc="http://www.wps.cn/officeDocument/2017/drawingmlCustomData" xmlns:lc="http://schemas.openxmlformats.org/drawingml/2006/lockedCanvas" val="200" checksum="1077528236"/>
+                  <wpsdc:indentchars xmlns:lc="http://schemas.openxmlformats.org/drawingml/2006/lockedCanvas" xmlns:wpsdc="http://www.wps.cn/officeDocument/2017/drawingmlCustomData" xmlns="" val="200" checksum="1077528236"/>
                 </a:ext>
               </a:extLst>
             </a:pPr>
@@ -9414,7 +10726,7 @@
               </a:lnSpc>
               <a:extLst>
                 <a:ext uri="{35155182-B16C-46BC-9424-99874614C6A1}">
-                  <wpsdc:indentchars xmlns="" xmlns:wpsdc="http://www.wps.cn/officeDocument/2017/drawingmlCustomData" xmlns:lc="http://schemas.openxmlformats.org/drawingml/2006/lockedCanvas" val="200" checksum="1077528236"/>
+                  <wpsdc:indentchars xmlns:lc="http://schemas.openxmlformats.org/drawingml/2006/lockedCanvas" xmlns:wpsdc="http://www.wps.cn/officeDocument/2017/drawingmlCustomData" xmlns="" val="200" checksum="1077528236"/>
                 </a:ext>
               </a:extLst>
             </a:pPr>
@@ -9485,7 +10797,7 @@
               </a:lnSpc>
               <a:extLst>
                 <a:ext uri="{35155182-B16C-46BC-9424-99874614C6A1}">
-                  <wpsdc:indentchars xmlns="" xmlns:wpsdc="http://www.wps.cn/officeDocument/2017/drawingmlCustomData" xmlns:lc="http://schemas.openxmlformats.org/drawingml/2006/lockedCanvas" val="200" checksum="1077528236"/>
+                  <wpsdc:indentchars xmlns:lc="http://schemas.openxmlformats.org/drawingml/2006/lockedCanvas" xmlns:wpsdc="http://www.wps.cn/officeDocument/2017/drawingmlCustomData" xmlns="" val="200" checksum="1077528236"/>
                 </a:ext>
               </a:extLst>
             </a:pPr>
@@ -9523,7 +10835,7 @@
               </a:lnSpc>
               <a:extLst>
                 <a:ext uri="{35155182-B16C-46BC-9424-99874614C6A1}">
-                  <wpsdc:indentchars xmlns="" xmlns:wpsdc="http://www.wps.cn/officeDocument/2017/drawingmlCustomData" xmlns:lc="http://schemas.openxmlformats.org/drawingml/2006/lockedCanvas" val="200" checksum="1077528236"/>
+                  <wpsdc:indentchars xmlns:lc="http://schemas.openxmlformats.org/drawingml/2006/lockedCanvas" xmlns:wpsdc="http://www.wps.cn/officeDocument/2017/drawingmlCustomData" xmlns="" val="200" checksum="1077528236"/>
                 </a:ext>
               </a:extLst>
             </a:pPr>
@@ -10688,7 +12000,7 @@
               </a:lnSpc>
               <a:extLst>
                 <a:ext uri="{35155182-B16C-46BC-9424-99874614C6A1}">
-                  <wpsdc:indentchars xmlns="" xmlns:wpsdc="http://www.wps.cn/officeDocument/2017/drawingmlCustomData" xmlns:lc="http://schemas.openxmlformats.org/drawingml/2006/lockedCanvas" val="200" checksum="1077528236"/>
+                  <wpsdc:indentchars xmlns:lc="http://schemas.openxmlformats.org/drawingml/2006/lockedCanvas" xmlns:wpsdc="http://www.wps.cn/officeDocument/2017/drawingmlCustomData" xmlns="" val="200" checksum="1077528236"/>
                 </a:ext>
               </a:extLst>
             </a:pPr>
@@ -10911,7 +12223,7 @@
               </a:lnSpc>
               <a:extLst>
                 <a:ext uri="{35155182-B16C-46BC-9424-99874614C6A1}">
-                  <wpsdc:indentchars xmlns="" xmlns:wpsdc="http://www.wps.cn/officeDocument/2017/drawingmlCustomData" xmlns:lc="http://schemas.openxmlformats.org/drawingml/2006/lockedCanvas" val="200" checksum="1077528236"/>
+                  <wpsdc:indentchars xmlns:lc="http://schemas.openxmlformats.org/drawingml/2006/lockedCanvas" xmlns:wpsdc="http://www.wps.cn/officeDocument/2017/drawingmlCustomData" xmlns="" val="200" checksum="1077528236"/>
                 </a:ext>
               </a:extLst>
             </a:pPr>
@@ -15785,4 +17097,299 @@
     </a:ext>
   </a:extLst>
 </a:theme>
+</file>
+
+<file path=ppt/theme/theme3.xml><?xml version="1.0" encoding="utf-8"?>
+<a:theme xmlns:a="http://schemas.openxmlformats.org/drawingml/2006/main" name="Office 主题​​">
+  <a:themeElements>
+    <a:clrScheme name="Office">
+      <a:dk1>
+        <a:sysClr val="windowText" lastClr="000000"/>
+      </a:dk1>
+      <a:lt1>
+        <a:sysClr val="window" lastClr="FFFFFF"/>
+      </a:lt1>
+      <a:dk2>
+        <a:srgbClr val="44546A"/>
+      </a:dk2>
+      <a:lt2>
+        <a:srgbClr val="E7E6E6"/>
+      </a:lt2>
+      <a:accent1>
+        <a:srgbClr val="4472C4"/>
+      </a:accent1>
+      <a:accent2>
+        <a:srgbClr val="ED7D31"/>
+      </a:accent2>
+      <a:accent3>
+        <a:srgbClr val="A5A5A5"/>
+      </a:accent3>
+      <a:accent4>
+        <a:srgbClr val="FFC000"/>
+      </a:accent4>
+      <a:accent5>
+        <a:srgbClr val="5B9BD5"/>
+      </a:accent5>
+      <a:accent6>
+        <a:srgbClr val="70AD47"/>
+      </a:accent6>
+      <a:hlink>
+        <a:srgbClr val="0563C1"/>
+      </a:hlink>
+      <a:folHlink>
+        <a:srgbClr val="954F72"/>
+      </a:folHlink>
+    </a:clrScheme>
+    <a:fontScheme name="Office">
+      <a:majorFont>
+        <a:latin typeface="等线 Light" panose="020F0302020204030204"/>
+        <a:ea typeface=""/>
+        <a:cs typeface=""/>
+        <a:font script="Jpan" typeface="游ゴシック Light"/>
+        <a:font script="Hang" typeface="맑은 고딕"/>
+        <a:font script="Hans" typeface="等线 Light"/>
+        <a:font script="Hant" typeface="新細明體"/>
+        <a:font script="Arab" typeface="Times New Roman"/>
+        <a:font script="Hebr" typeface="Times New Roman"/>
+        <a:font script="Thai" typeface="Angsana New"/>
+        <a:font script="Ethi" typeface="Nyala"/>
+        <a:font script="Beng" typeface="Vrinda"/>
+        <a:font script="Gujr" typeface="Shruti"/>
+        <a:font script="Khmr" typeface="MoolBoran"/>
+        <a:font script="Knda" typeface="Tunga"/>
+        <a:font script="Guru" typeface="Raavi"/>
+        <a:font script="Cans" typeface="Euphemia"/>
+        <a:font script="Cher" typeface="Plantagenet Cherokee"/>
+        <a:font script="Yiii" typeface="Microsoft Yi Baiti"/>
+        <a:font script="Tibt" typeface="Microsoft Himalaya"/>
+        <a:font script="Thaa" typeface="MV Boli"/>
+        <a:font script="Deva" typeface="Mangal"/>
+        <a:font script="Telu" typeface="Gautami"/>
+        <a:font script="Taml" typeface="Latha"/>
+        <a:font script="Syrc" typeface="Estrangelo Edessa"/>
+        <a:font script="Orya" typeface="Kalinga"/>
+        <a:font script="Mlym" typeface="Kartika"/>
+        <a:font script="Laoo" typeface="DokChampa"/>
+        <a:font script="Sinh" typeface="Iskoola Pota"/>
+        <a:font script="Mong" typeface="Mongolian Baiti"/>
+        <a:font script="Viet" typeface="Times New Roman"/>
+        <a:font script="Uigh" typeface="Microsoft Uighur"/>
+        <a:font script="Geor" typeface="Sylfaen"/>
+        <a:font script="Armn" typeface="Arial"/>
+        <a:font script="Bugi" typeface="Leelawadee UI"/>
+        <a:font script="Bopo" typeface="Microsoft JhengHei"/>
+        <a:font script="Java" typeface="Javanese Text"/>
+        <a:font script="Lisu" typeface="Segoe UI"/>
+        <a:font script="Mymr" typeface="Myanmar Text"/>
+        <a:font script="Nkoo" typeface="Ebrima"/>
+        <a:font script="Olck" typeface="Nirmala UI"/>
+        <a:font script="Osma" typeface="Ebrima"/>
+        <a:font script="Phag" typeface="Phagspa"/>
+        <a:font script="Syrn" typeface="Estrangelo Edessa"/>
+        <a:font script="Syrj" typeface="Estrangelo Edessa"/>
+        <a:font script="Syre" typeface="Estrangelo Edessa"/>
+        <a:font script="Sora" typeface="Nirmala UI"/>
+        <a:font script="Tale" typeface="Microsoft Tai Le"/>
+        <a:font script="Talu" typeface="Microsoft New Tai Lue"/>
+        <a:font script="Tfng" typeface="Ebrima"/>
+      </a:majorFont>
+      <a:minorFont>
+        <a:latin typeface="等线" panose="020F0502020204030204"/>
+        <a:ea typeface=""/>
+        <a:cs typeface=""/>
+        <a:font script="Jpan" typeface="游ゴシック"/>
+        <a:font script="Hang" typeface="맑은 고딕"/>
+        <a:font script="Hans" typeface="等线"/>
+        <a:font script="Hant" typeface="新細明體"/>
+        <a:font script="Arab" typeface="Arial"/>
+        <a:font script="Hebr" typeface="Arial"/>
+        <a:font script="Thai" typeface="Cordia New"/>
+        <a:font script="Ethi" typeface="Nyala"/>
+        <a:font script="Beng" typeface="Vrinda"/>
+        <a:font script="Gujr" typeface="Shruti"/>
+        <a:font script="Khmr" typeface="DaunPenh"/>
+        <a:font script="Knda" typeface="Tunga"/>
+        <a:font script="Guru" typeface="Raavi"/>
+        <a:font script="Cans" typeface="Euphemia"/>
+        <a:font script="Cher" typeface="Plantagenet Cherokee"/>
+        <a:font script="Yiii" typeface="Microsoft Yi Baiti"/>
+        <a:font script="Tibt" typeface="Microsoft Himalaya"/>
+        <a:font script="Thaa" typeface="MV Boli"/>
+        <a:font script="Deva" typeface="Mangal"/>
+        <a:font script="Telu" typeface="Gautami"/>
+        <a:font script="Taml" typeface="Latha"/>
+        <a:font script="Syrc" typeface="Estrangelo Edessa"/>
+        <a:font script="Orya" typeface="Kalinga"/>
+        <a:font script="Mlym" typeface="Kartika"/>
+        <a:font script="Laoo" typeface="DokChampa"/>
+        <a:font script="Sinh" typeface="Iskoola Pota"/>
+        <a:font script="Mong" typeface="Mongolian Baiti"/>
+        <a:font script="Viet" typeface="Arial"/>
+        <a:font script="Uigh" typeface="Microsoft Uighur"/>
+        <a:font script="Geor" typeface="Sylfaen"/>
+        <a:font script="Armn" typeface="Arial"/>
+        <a:font script="Bugi" typeface="Leelawadee UI"/>
+        <a:font script="Bopo" typeface="Microsoft JhengHei"/>
+        <a:font script="Java" typeface="Javanese Text"/>
+        <a:font script="Lisu" typeface="Segoe UI"/>
+        <a:font script="Mymr" typeface="Myanmar Text"/>
+        <a:font script="Nkoo" typeface="Ebrima"/>
+        <a:font script="Olck" typeface="Nirmala UI"/>
+        <a:font script="Osma" typeface="Ebrima"/>
+        <a:font script="Phag" typeface="Phagspa"/>
+        <a:font script="Syrn" typeface="Estrangelo Edessa"/>
+        <a:font script="Syrj" typeface="Estrangelo Edessa"/>
+        <a:font script="Syre" typeface="Estrangelo Edessa"/>
+        <a:font script="Sora" typeface="Nirmala UI"/>
+        <a:font script="Tale" typeface="Microsoft Tai Le"/>
+        <a:font script="Talu" typeface="Microsoft New Tai Lue"/>
+        <a:font script="Tfng" typeface="Ebrima"/>
+      </a:minorFont>
+    </a:fontScheme>
+    <a:fmtScheme name="Office">
+      <a:fillStyleLst>
+        <a:solidFill>
+          <a:schemeClr val="phClr"/>
+        </a:solidFill>
+        <a:gradFill rotWithShape="1">
+          <a:gsLst>
+            <a:gs pos="0">
+              <a:schemeClr val="phClr">
+                <a:lumMod val="110000"/>
+                <a:satMod val="105000"/>
+                <a:tint val="67000"/>
+              </a:schemeClr>
+            </a:gs>
+            <a:gs pos="50000">
+              <a:schemeClr val="phClr">
+                <a:lumMod val="105000"/>
+                <a:satMod val="103000"/>
+                <a:tint val="73000"/>
+              </a:schemeClr>
+            </a:gs>
+            <a:gs pos="100000">
+              <a:schemeClr val="phClr">
+                <a:lumMod val="105000"/>
+                <a:satMod val="109000"/>
+                <a:tint val="81000"/>
+              </a:schemeClr>
+            </a:gs>
+          </a:gsLst>
+          <a:lin ang="5400000" scaled="0"/>
+        </a:gradFill>
+        <a:gradFill rotWithShape="1">
+          <a:gsLst>
+            <a:gs pos="0">
+              <a:schemeClr val="phClr">
+                <a:satMod val="103000"/>
+                <a:lumMod val="102000"/>
+                <a:tint val="94000"/>
+              </a:schemeClr>
+            </a:gs>
+            <a:gs pos="50000">
+              <a:schemeClr val="phClr">
+                <a:satMod val="110000"/>
+                <a:lumMod val="100000"/>
+                <a:shade val="100000"/>
+              </a:schemeClr>
+            </a:gs>
+            <a:gs pos="100000">
+              <a:schemeClr val="phClr">
+                <a:lumMod val="99000"/>
+                <a:satMod val="120000"/>
+                <a:shade val="78000"/>
+              </a:schemeClr>
+            </a:gs>
+          </a:gsLst>
+          <a:lin ang="5400000" scaled="0"/>
+        </a:gradFill>
+      </a:fillStyleLst>
+      <a:lnStyleLst>
+        <a:ln w="6350" cap="flat" cmpd="sng" algn="ctr">
+          <a:solidFill>
+            <a:schemeClr val="phClr"/>
+          </a:solidFill>
+          <a:prstDash val="solid"/>
+          <a:miter lim="800000"/>
+        </a:ln>
+        <a:ln w="12700" cap="flat" cmpd="sng" algn="ctr">
+          <a:solidFill>
+            <a:schemeClr val="phClr"/>
+          </a:solidFill>
+          <a:prstDash val="solid"/>
+          <a:miter lim="800000"/>
+        </a:ln>
+        <a:ln w="19050" cap="flat" cmpd="sng" algn="ctr">
+          <a:solidFill>
+            <a:schemeClr val="phClr"/>
+          </a:solidFill>
+          <a:prstDash val="solid"/>
+          <a:miter lim="800000"/>
+        </a:ln>
+      </a:lnStyleLst>
+      <a:effectStyleLst>
+        <a:effectStyle>
+          <a:effectLst/>
+        </a:effectStyle>
+        <a:effectStyle>
+          <a:effectLst/>
+        </a:effectStyle>
+        <a:effectStyle>
+          <a:effectLst>
+            <a:outerShdw blurRad="57150" dist="19050" dir="5400000" algn="ctr" rotWithShape="0">
+              <a:srgbClr val="000000">
+                <a:alpha val="63000"/>
+              </a:srgbClr>
+            </a:outerShdw>
+          </a:effectLst>
+        </a:effectStyle>
+      </a:effectStyleLst>
+      <a:bgFillStyleLst>
+        <a:solidFill>
+          <a:schemeClr val="phClr"/>
+        </a:solidFill>
+        <a:solidFill>
+          <a:schemeClr val="phClr">
+            <a:tint val="95000"/>
+            <a:satMod val="170000"/>
+          </a:schemeClr>
+        </a:solidFill>
+        <a:gradFill rotWithShape="1">
+          <a:gsLst>
+            <a:gs pos="0">
+              <a:schemeClr val="phClr">
+                <a:tint val="93000"/>
+                <a:satMod val="150000"/>
+                <a:shade val="98000"/>
+                <a:lumMod val="102000"/>
+              </a:schemeClr>
+            </a:gs>
+            <a:gs pos="50000">
+              <a:schemeClr val="phClr">
+                <a:tint val="98000"/>
+                <a:satMod val="130000"/>
+                <a:shade val="90000"/>
+                <a:lumMod val="103000"/>
+              </a:schemeClr>
+            </a:gs>
+            <a:gs pos="100000">
+              <a:schemeClr val="phClr">
+                <a:shade val="63000"/>
+                <a:satMod val="120000"/>
+              </a:schemeClr>
+            </a:gs>
+          </a:gsLst>
+          <a:lin ang="5400000" scaled="0"/>
+        </a:gradFill>
+      </a:bgFillStyleLst>
+    </a:fmtScheme>
+  </a:themeElements>
+  <a:objectDefaults/>
+  <a:extraClrSchemeLst/>
+  <a:extLst>
+    <a:ext uri="{05A4C25C-085E-4340-85A3-A5531E510DB2}">
+      <thm15:themeFamily xmlns:thm15="http://schemas.microsoft.com/office/thememl/2012/main" name="Office Theme" id="{62F939B6-93AF-4DB8-9C6B-D6C7DFDC589F}" vid="{4A3C46E8-61CC-4603-A589-7422A47A8E4A}"/>
+    </a:ext>
+  </a:extLst>
+</a:theme>
 </file>
--- a/文档/RJ16852111苏卓锐（中期答辩）.pptx
+++ b/文档/RJ16852111苏卓锐（中期答辩）.pptx
@@ -133,7 +133,7 @@
   </p:defaultTextStyle>
   <p:extLst>
     <p:ext uri="{EFAFB233-063F-42B5-8137-9DF3F51BA10A}">
-      <p15:sldGuideLst xmlns="" xmlns:p15="http://schemas.microsoft.com/office/powerpoint/2012/main">
+      <p15:sldGuideLst xmlns:p15="http://schemas.microsoft.com/office/powerpoint/2012/main" xmlns="">
         <p15:guide id="1" orient="horz" pos="2160">
           <p15:clr>
             <a:srgbClr val="A4A3A4"/>
@@ -233,7 +233,7 @@
             <a:fld id="{8D36D0CC-415D-4DD2-BACB-AF47ED3216EF}" type="datetimeFigureOut">
               <a:rPr lang="zh-CN" altLang="en-US" smtClean="0"/>
               <a:pPr/>
-              <a:t>2020/4/9</a:t>
+              <a:t>2020/4/10</a:t>
             </a:fld>
             <a:endParaRPr lang="zh-CN" altLang="en-US"/>
           </a:p>
@@ -401,7 +401,7 @@
     </p:spTree>
     <p:extLst>
       <p:ext uri="{BB962C8B-B14F-4D97-AF65-F5344CB8AC3E}">
-        <p14:creationId xmlns="" xmlns:p14="http://schemas.microsoft.com/office/powerpoint/2010/main" val="1907922917"/>
+        <p14:creationId xmlns:p14="http://schemas.microsoft.com/office/powerpoint/2010/main" xmlns="" val="1907922917"/>
       </p:ext>
     </p:extLst>
   </p:cSld>
@@ -1012,7 +1012,7 @@
           <a:blip r:embed="rId3">
             <a:extLst>
               <a:ext uri="{28A0092B-C50C-407E-A947-70E740481C1C}">
-                <a14:useLocalDpi xmlns="" xmlns:a14="http://schemas.microsoft.com/office/drawing/2010/main" val="0"/>
+                <a14:useLocalDpi xmlns:a14="http://schemas.microsoft.com/office/drawing/2010/main" xmlns="" val="0"/>
               </a:ext>
             </a:extLst>
           </a:blip>
@@ -1036,7 +1036,7 @@
     <a:masterClrMapping/>
   </p:clrMapOvr>
   <mc:AlternateContent xmlns:mc="http://schemas.openxmlformats.org/markup-compatibility/2006">
-    <mc:Choice xmlns="" xmlns:p14="http://schemas.microsoft.com/office/powerpoint/2010/main" Requires="p14">
+    <mc:Choice xmlns:p14="http://schemas.microsoft.com/office/powerpoint/2010/main" xmlns="" Requires="p14">
       <p:transition spd="med" p14:dur="700">
         <p:fade/>
       </p:transition>
@@ -6395,7 +6395,7 @@
           <a:blip r:embed="rId2">
             <a:extLst>
               <a:ext uri="{28A0092B-C50C-407E-A947-70E740481C1C}">
-                <a14:useLocalDpi xmlns="" xmlns:a14="http://schemas.microsoft.com/office/drawing/2010/main" val="0"/>
+                <a14:useLocalDpi xmlns:a14="http://schemas.microsoft.com/office/drawing/2010/main" xmlns="" val="0"/>
               </a:ext>
             </a:extLst>
           </a:blip>
@@ -6412,7 +6412,7 @@
     <a:masterClrMapping/>
   </p:clrMapOvr>
   <mc:AlternateContent xmlns:mc="http://schemas.openxmlformats.org/markup-compatibility/2006">
-    <mc:Choice xmlns="" xmlns:p14="http://schemas.microsoft.com/office/powerpoint/2010/main" Requires="p14">
+    <mc:Choice xmlns:p14="http://schemas.microsoft.com/office/powerpoint/2010/main" xmlns="" Requires="p14">
       <p:transition spd="slow" p14:dur="2500">
         <p:checker/>
       </p:transition>
@@ -7572,7 +7572,7 @@
           <a:blip r:embed="rId2">
             <a:extLst>
               <a:ext uri="{28A0092B-C50C-407E-A947-70E740481C1C}">
-                <a14:useLocalDpi xmlns="" xmlns:a14="http://schemas.microsoft.com/office/drawing/2010/main" val="0"/>
+                <a14:useLocalDpi xmlns:a14="http://schemas.microsoft.com/office/drawing/2010/main" xmlns="" val="0"/>
               </a:ext>
             </a:extLst>
           </a:blip>
@@ -8360,7 +8360,7 @@
           <a:blip r:embed="rId2">
             <a:extLst>
               <a:ext uri="{28A0092B-C50C-407E-A947-70E740481C1C}">
-                <a14:useLocalDpi xmlns="" xmlns:a14="http://schemas.microsoft.com/office/drawing/2010/main" val="0"/>
+                <a14:useLocalDpi xmlns:a14="http://schemas.microsoft.com/office/drawing/2010/main" xmlns="" val="0"/>
               </a:ext>
             </a:extLst>
           </a:blip>
@@ -8474,7 +8474,7 @@
           <p:cNvPr id="5" name="图片 4">
             <a:extLst>
               <a:ext uri="{FF2B5EF4-FFF2-40B4-BE49-F238E27FC236}">
-                <a16:creationId xmlns="" xmlns:a16="http://schemas.microsoft.com/office/drawing/2014/main" id="{9502F0CA-C84A-4B12-9C99-479188E938E6}"/>
+                <a16:creationId xmlns:a16="http://schemas.microsoft.com/office/drawing/2014/main" xmlns="" id="{9502F0CA-C84A-4B12-9C99-479188E938E6}"/>
               </a:ext>
             </a:extLst>
           </p:cNvPr>
@@ -8502,7 +8502,7 @@
     </p:spTree>
     <p:extLst>
       <p:ext uri="{BB962C8B-B14F-4D97-AF65-F5344CB8AC3E}">
-        <p14:creationId xmlns="" xmlns:p14="http://schemas.microsoft.com/office/powerpoint/2010/main" val="2930373100"/>
+        <p14:creationId xmlns:p14="http://schemas.microsoft.com/office/powerpoint/2010/main" xmlns="" val="2930373100"/>
       </p:ext>
     </p:extLst>
   </p:cSld>
@@ -8607,7 +8607,7 @@
           <p:cNvPr id="3" name="图片 2">
             <a:extLst>
               <a:ext uri="{FF2B5EF4-FFF2-40B4-BE49-F238E27FC236}">
-                <a16:creationId xmlns="" xmlns:a16="http://schemas.microsoft.com/office/drawing/2014/main" id="{502CA18B-A255-4AF2-8392-6AE12C465CEE}"/>
+                <a16:creationId xmlns:a16="http://schemas.microsoft.com/office/drawing/2014/main" xmlns="" id="{502CA18B-A255-4AF2-8392-6AE12C465CEE}"/>
               </a:ext>
             </a:extLst>
           </p:cNvPr>
@@ -8637,7 +8637,7 @@
           <p:cNvPr id="5" name="图片 4">
             <a:extLst>
               <a:ext uri="{FF2B5EF4-FFF2-40B4-BE49-F238E27FC236}">
-                <a16:creationId xmlns="" xmlns:a16="http://schemas.microsoft.com/office/drawing/2014/main" id="{39845879-D66E-4EBD-BCE9-6695E5C5C674}"/>
+                <a16:creationId xmlns:a16="http://schemas.microsoft.com/office/drawing/2014/main" xmlns="" id="{39845879-D66E-4EBD-BCE9-6695E5C5C674}"/>
               </a:ext>
             </a:extLst>
           </p:cNvPr>
@@ -8667,7 +8667,7 @@
           <p:cNvPr id="6" name="图片 5">
             <a:extLst>
               <a:ext uri="{FF2B5EF4-FFF2-40B4-BE49-F238E27FC236}">
-                <a16:creationId xmlns="" xmlns:a16="http://schemas.microsoft.com/office/drawing/2014/main" id="{EE174A54-5B0E-41CD-9CD3-4F696B6A5A19}"/>
+                <a16:creationId xmlns:a16="http://schemas.microsoft.com/office/drawing/2014/main" xmlns="" id="{EE174A54-5B0E-41CD-9CD3-4F696B6A5A19}"/>
               </a:ext>
             </a:extLst>
           </p:cNvPr>
@@ -8697,7 +8697,7 @@
           <p:cNvPr id="7" name="图片 6">
             <a:extLst>
               <a:ext uri="{FF2B5EF4-FFF2-40B4-BE49-F238E27FC236}">
-                <a16:creationId xmlns="" xmlns:a16="http://schemas.microsoft.com/office/drawing/2014/main" id="{D9C82321-3908-4014-A029-C3D6DBDE8939}"/>
+                <a16:creationId xmlns:a16="http://schemas.microsoft.com/office/drawing/2014/main" xmlns="" id="{D9C82321-3908-4014-A029-C3D6DBDE8939}"/>
               </a:ext>
             </a:extLst>
           </p:cNvPr>
@@ -8725,7 +8725,7 @@
     </p:spTree>
     <p:extLst>
       <p:ext uri="{BB962C8B-B14F-4D97-AF65-F5344CB8AC3E}">
-        <p14:creationId xmlns="" xmlns:p14="http://schemas.microsoft.com/office/powerpoint/2010/main" val="3027007424"/>
+        <p14:creationId xmlns:p14="http://schemas.microsoft.com/office/powerpoint/2010/main" xmlns="" val="3027007424"/>
       </p:ext>
     </p:extLst>
   </p:cSld>
@@ -8830,7 +8830,7 @@
           <p:cNvPr id="3" name="图片 2">
             <a:extLst>
               <a:ext uri="{FF2B5EF4-FFF2-40B4-BE49-F238E27FC236}">
-                <a16:creationId xmlns="" xmlns:a16="http://schemas.microsoft.com/office/drawing/2014/main" id="{FB824CC9-FE8A-4E3B-9F8C-281836D5C705}"/>
+                <a16:creationId xmlns:a16="http://schemas.microsoft.com/office/drawing/2014/main" xmlns="" id="{FB824CC9-FE8A-4E3B-9F8C-281836D5C705}"/>
               </a:ext>
             </a:extLst>
           </p:cNvPr>
@@ -8858,7 +8858,7 @@
     </p:spTree>
     <p:extLst>
       <p:ext uri="{BB962C8B-B14F-4D97-AF65-F5344CB8AC3E}">
-        <p14:creationId xmlns="" xmlns:p14="http://schemas.microsoft.com/office/powerpoint/2010/main" val="1777849855"/>
+        <p14:creationId xmlns:p14="http://schemas.microsoft.com/office/powerpoint/2010/main" xmlns="" val="1777849855"/>
       </p:ext>
     </p:extLst>
   </p:cSld>
@@ -9019,7 +9019,7 @@
           <p:cNvPr id="14" name="直接连接符 13">
             <a:extLst>
               <a:ext uri="{FF2B5EF4-FFF2-40B4-BE49-F238E27FC236}">
-                <a16:creationId xmlns="" xmlns:a16="http://schemas.microsoft.com/office/drawing/2014/main" id="{F9AB2799-933D-46B1-AD29-694F0EDBD913}"/>
+                <a16:creationId xmlns:a16="http://schemas.microsoft.com/office/drawing/2014/main" xmlns="" id="{F9AB2799-933D-46B1-AD29-694F0EDBD913}"/>
               </a:ext>
             </a:extLst>
           </p:cNvPr>
@@ -9055,7 +9055,7 @@
           <p:cNvPr id="15" name="直接连接符 14">
             <a:extLst>
               <a:ext uri="{FF2B5EF4-FFF2-40B4-BE49-F238E27FC236}">
-                <a16:creationId xmlns="" xmlns:a16="http://schemas.microsoft.com/office/drawing/2014/main" id="{D1141F99-B95D-48D9-9A73-670609716FD6}"/>
+                <a16:creationId xmlns:a16="http://schemas.microsoft.com/office/drawing/2014/main" xmlns="" id="{D1141F99-B95D-48D9-9A73-670609716FD6}"/>
               </a:ext>
             </a:extLst>
           </p:cNvPr>
@@ -9091,7 +9091,7 @@
           <p:cNvPr id="19" name="文本框 18">
             <a:extLst>
               <a:ext uri="{FF2B5EF4-FFF2-40B4-BE49-F238E27FC236}">
-                <a16:creationId xmlns="" xmlns:a16="http://schemas.microsoft.com/office/drawing/2014/main" id="{109F8933-A3A2-4246-A220-FE01F366F442}"/>
+                <a16:creationId xmlns:a16="http://schemas.microsoft.com/office/drawing/2014/main" xmlns="" id="{109F8933-A3A2-4246-A220-FE01F366F442}"/>
               </a:ext>
             </a:extLst>
           </p:cNvPr>
@@ -9132,7 +9132,7 @@
           <p:cNvPr id="21" name="文本框 20">
             <a:extLst>
               <a:ext uri="{FF2B5EF4-FFF2-40B4-BE49-F238E27FC236}">
-                <a16:creationId xmlns="" xmlns:a16="http://schemas.microsoft.com/office/drawing/2014/main" id="{AF86C16F-FBB8-497B-8C09-05912050E2BC}"/>
+                <a16:creationId xmlns:a16="http://schemas.microsoft.com/office/drawing/2014/main" xmlns="" id="{AF86C16F-FBB8-497B-8C09-05912050E2BC}"/>
               </a:ext>
             </a:extLst>
           </p:cNvPr>
@@ -9173,17 +9173,7 @@
                   </a:schemeClr>
                 </a:solidFill>
               </a:rPr>
-              <a:t>目</a:t>
-            </a:r>
-            <a:r>
-              <a:rPr kumimoji="1" lang="zh-CN" altLang="en-US" sz="2800" b="1" dirty="0" smtClean="0">
-                <a:solidFill>
-                  <a:schemeClr val="accent1">
-                    <a:lumMod val="50000"/>
-                  </a:schemeClr>
-                </a:solidFill>
-              </a:rPr>
-              <a:t>进度</a:t>
+              <a:t>目进度</a:t>
             </a:r>
             <a:endParaRPr kumimoji="1" lang="zh-CN" altLang="en-US" sz="2800" b="1" dirty="0">
               <a:solidFill>
@@ -9200,7 +9190,7 @@
           <p:cNvPr id="22" name="文本框 21">
             <a:extLst>
               <a:ext uri="{FF2B5EF4-FFF2-40B4-BE49-F238E27FC236}">
-                <a16:creationId xmlns="" xmlns:a16="http://schemas.microsoft.com/office/drawing/2014/main" id="{A01B29C6-4331-43F7-A3A6-FA50AA816056}"/>
+                <a16:creationId xmlns:a16="http://schemas.microsoft.com/office/drawing/2014/main" xmlns="" id="{A01B29C6-4331-43F7-A3A6-FA50AA816056}"/>
               </a:ext>
             </a:extLst>
           </p:cNvPr>
@@ -9241,7 +9231,7 @@
           <p:cNvPr id="23" name="文本框 22">
             <a:extLst>
               <a:ext uri="{FF2B5EF4-FFF2-40B4-BE49-F238E27FC236}">
-                <a16:creationId xmlns="" xmlns:a16="http://schemas.microsoft.com/office/drawing/2014/main" id="{8F173C70-FD02-4C2A-AA83-7BE9E3082282}"/>
+                <a16:creationId xmlns:a16="http://schemas.microsoft.com/office/drawing/2014/main" xmlns="" id="{8F173C70-FD02-4C2A-AA83-7BE9E3082282}"/>
               </a:ext>
             </a:extLst>
           </p:cNvPr>
@@ -9282,7 +9272,7 @@
           <p:cNvPr id="24" name="直接连接符 23">
             <a:extLst>
               <a:ext uri="{FF2B5EF4-FFF2-40B4-BE49-F238E27FC236}">
-                <a16:creationId xmlns="" xmlns:a16="http://schemas.microsoft.com/office/drawing/2014/main" id="{44AD9742-B992-4F70-B247-FF888EEF22F4}"/>
+                <a16:creationId xmlns:a16="http://schemas.microsoft.com/office/drawing/2014/main" xmlns="" id="{44AD9742-B992-4F70-B247-FF888EEF22F4}"/>
               </a:ext>
             </a:extLst>
           </p:cNvPr>
@@ -9318,7 +9308,7 @@
           <p:cNvPr id="28" name="文本占位符 8">
             <a:extLst>
               <a:ext uri="{FF2B5EF4-FFF2-40B4-BE49-F238E27FC236}">
-                <a16:creationId xmlns="" xmlns:a16="http://schemas.microsoft.com/office/drawing/2014/main" id="{87ECCB14-2BE7-4095-A13A-75DD3CB0A25C}"/>
+                <a16:creationId xmlns:a16="http://schemas.microsoft.com/office/drawing/2014/main" xmlns="" id="{87ECCB14-2BE7-4095-A13A-75DD3CB0A25C}"/>
               </a:ext>
             </a:extLst>
           </p:cNvPr>
@@ -9518,7 +9508,7 @@
           <p:cNvPr id="29" name="文本占位符 8">
             <a:extLst>
               <a:ext uri="{FF2B5EF4-FFF2-40B4-BE49-F238E27FC236}">
-                <a16:creationId xmlns="" xmlns:a16="http://schemas.microsoft.com/office/drawing/2014/main" id="{5CD2E4C9-729C-4C0D-877E-37EC1918A910}"/>
+                <a16:creationId xmlns:a16="http://schemas.microsoft.com/office/drawing/2014/main" xmlns="" id="{5CD2E4C9-729C-4C0D-877E-37EC1918A910}"/>
               </a:ext>
             </a:extLst>
           </p:cNvPr>
@@ -9718,7 +9708,7 @@
           <p:cNvPr id="36" name="文本框 35">
             <a:extLst>
               <a:ext uri="{FF2B5EF4-FFF2-40B4-BE49-F238E27FC236}">
-                <a16:creationId xmlns="" xmlns:a16="http://schemas.microsoft.com/office/drawing/2014/main" id="{93E35B13-947D-48E5-B9B0-B3FA9608C211}"/>
+                <a16:creationId xmlns:a16="http://schemas.microsoft.com/office/drawing/2014/main" xmlns="" id="{93E35B13-947D-48E5-B9B0-B3FA9608C211}"/>
               </a:ext>
             </a:extLst>
           </p:cNvPr>
@@ -9759,7 +9749,7 @@
           <p:cNvPr id="37" name="文本框 36">
             <a:extLst>
               <a:ext uri="{FF2B5EF4-FFF2-40B4-BE49-F238E27FC236}">
-                <a16:creationId xmlns="" xmlns:a16="http://schemas.microsoft.com/office/drawing/2014/main" id="{157C6CE2-DF43-44F7-AA66-349710AB2964}"/>
+                <a16:creationId xmlns:a16="http://schemas.microsoft.com/office/drawing/2014/main" xmlns="" id="{157C6CE2-DF43-44F7-AA66-349710AB2964}"/>
               </a:ext>
             </a:extLst>
           </p:cNvPr>
@@ -9807,7 +9797,7 @@
           <p:cNvPr id="38" name="文本占位符 8">
             <a:extLst>
               <a:ext uri="{FF2B5EF4-FFF2-40B4-BE49-F238E27FC236}">
-                <a16:creationId xmlns="" xmlns:a16="http://schemas.microsoft.com/office/drawing/2014/main" id="{DD1BC1D7-77AC-40BD-9D6C-A8CA8145B49D}"/>
+                <a16:creationId xmlns:a16="http://schemas.microsoft.com/office/drawing/2014/main" xmlns="" id="{DD1BC1D7-77AC-40BD-9D6C-A8CA8145B49D}"/>
               </a:ext>
             </a:extLst>
           </p:cNvPr>
@@ -10007,7 +9997,7 @@
           <p:cNvPr id="39" name="文本框 38">
             <a:extLst>
               <a:ext uri="{FF2B5EF4-FFF2-40B4-BE49-F238E27FC236}">
-                <a16:creationId xmlns="" xmlns:a16="http://schemas.microsoft.com/office/drawing/2014/main" id="{AB7265F0-EF9C-43D3-9AD7-3C9A1E53A603}"/>
+                <a16:creationId xmlns:a16="http://schemas.microsoft.com/office/drawing/2014/main" xmlns="" id="{AB7265F0-EF9C-43D3-9AD7-3C9A1E53A603}"/>
               </a:ext>
             </a:extLst>
           </p:cNvPr>
@@ -10055,7 +10045,7 @@
           <p:cNvPr id="40" name="直接连接符 39">
             <a:extLst>
               <a:ext uri="{FF2B5EF4-FFF2-40B4-BE49-F238E27FC236}">
-                <a16:creationId xmlns="" xmlns:a16="http://schemas.microsoft.com/office/drawing/2014/main" id="{0E400E93-8AE1-4B08-BA8F-11E6DE8B4E2C}"/>
+                <a16:creationId xmlns:a16="http://schemas.microsoft.com/office/drawing/2014/main" xmlns="" id="{0E400E93-8AE1-4B08-BA8F-11E6DE8B4E2C}"/>
               </a:ext>
             </a:extLst>
           </p:cNvPr>
@@ -10091,7 +10081,7 @@
           <p:cNvPr id="25" name="文本占位符 8">
             <a:extLst>
               <a:ext uri="{FF2B5EF4-FFF2-40B4-BE49-F238E27FC236}">
-                <a16:creationId xmlns="" xmlns:a16="http://schemas.microsoft.com/office/drawing/2014/main" id="{DD1BC1D7-77AC-40BD-9D6C-A8CA8145B49D}"/>
+                <a16:creationId xmlns:a16="http://schemas.microsoft.com/office/drawing/2014/main" xmlns="" id="{DD1BC1D7-77AC-40BD-9D6C-A8CA8145B49D}"/>
               </a:ext>
             </a:extLst>
           </p:cNvPr>
@@ -10291,7 +10281,7 @@
           <p:cNvPr id="26" name="文本框 38">
             <a:extLst>
               <a:ext uri="{FF2B5EF4-FFF2-40B4-BE49-F238E27FC236}">
-                <a16:creationId xmlns="" xmlns:a16="http://schemas.microsoft.com/office/drawing/2014/main" id="{AB7265F0-EF9C-43D3-9AD7-3C9A1E53A603}"/>
+                <a16:creationId xmlns:a16="http://schemas.microsoft.com/office/drawing/2014/main" xmlns="" id="{AB7265F0-EF9C-43D3-9AD7-3C9A1E53A603}"/>
               </a:ext>
             </a:extLst>
           </p:cNvPr>
@@ -10339,7 +10329,7 @@
           <p:cNvPr id="27" name="直接连接符 26">
             <a:extLst>
               <a:ext uri="{FF2B5EF4-FFF2-40B4-BE49-F238E27FC236}">
-                <a16:creationId xmlns="" xmlns:a16="http://schemas.microsoft.com/office/drawing/2014/main" id="{0E400E93-8AE1-4B08-BA8F-11E6DE8B4E2C}"/>
+                <a16:creationId xmlns:a16="http://schemas.microsoft.com/office/drawing/2014/main" xmlns="" id="{0E400E93-8AE1-4B08-BA8F-11E6DE8B4E2C}"/>
               </a:ext>
             </a:extLst>
           </p:cNvPr>
@@ -10376,7 +10366,7 @@
     <a:masterClrMapping/>
   </p:clrMapOvr>
   <mc:AlternateContent xmlns:mc="http://schemas.openxmlformats.org/markup-compatibility/2006">
-    <mc:Choice xmlns="" xmlns:p14="http://schemas.microsoft.com/office/powerpoint/2010/main" Requires="p14">
+    <mc:Choice xmlns:p14="http://schemas.microsoft.com/office/powerpoint/2010/main" xmlns="" Requires="p14">
       <p:transition spd="slow" p14:dur="1500">
         <p:split orient="vert"/>
       </p:transition>
@@ -10510,7 +10500,7 @@
           <a:blip r:embed="rId2">
             <a:extLst>
               <a:ext uri="{28A0092B-C50C-407E-A947-70E740481C1C}">
-                <a14:useLocalDpi xmlns="" xmlns:a14="http://schemas.microsoft.com/office/drawing/2010/main" val="0"/>
+                <a14:useLocalDpi xmlns:a14="http://schemas.microsoft.com/office/drawing/2010/main" xmlns="" val="0"/>
               </a:ext>
             </a:extLst>
           </a:blip>
@@ -10527,7 +10517,7 @@
     <a:masterClrMapping/>
   </p:clrMapOvr>
   <mc:AlternateContent xmlns:mc="http://schemas.openxmlformats.org/markup-compatibility/2006">
-    <mc:Choice xmlns="" xmlns:p14="http://schemas.microsoft.com/office/powerpoint/2010/main" Requires="p14">
+    <mc:Choice xmlns:p14="http://schemas.microsoft.com/office/powerpoint/2010/main" xmlns="" Requires="p14">
       <p:transition spd="slow" p14:dur="1250">
         <p14:flip dir="r"/>
       </p:transition>
@@ -11611,7 +11601,7 @@
     <a:masterClrMapping/>
   </p:clrMapOvr>
   <mc:AlternateContent xmlns:mc="http://schemas.openxmlformats.org/markup-compatibility/2006">
-    <mc:Choice xmlns="" xmlns:p14="http://schemas.microsoft.com/office/powerpoint/2010/main" Requires="p14">
+    <mc:Choice xmlns:p14="http://schemas.microsoft.com/office/powerpoint/2010/main" xmlns="" Requires="p14">
       <p:transition spd="med" p14:dur="700">
         <p:fade/>
       </p:transition>
@@ -11749,7 +11739,7 @@
           <a:blip r:embed="rId2">
             <a:extLst>
               <a:ext uri="{28A0092B-C50C-407E-A947-70E740481C1C}">
-                <a14:useLocalDpi xmlns="" xmlns:a14="http://schemas.microsoft.com/office/drawing/2010/main" val="0"/>
+                <a14:useLocalDpi xmlns:a14="http://schemas.microsoft.com/office/drawing/2010/main" xmlns="" val="0"/>
               </a:ext>
             </a:extLst>
           </a:blip>
@@ -11766,7 +11756,7 @@
     <a:masterClrMapping/>
   </p:clrMapOvr>
   <mc:AlternateContent xmlns:mc="http://schemas.openxmlformats.org/markup-compatibility/2006">
-    <mc:Choice xmlns="" xmlns:p14="http://schemas.microsoft.com/office/powerpoint/2010/main" Requires="p14">
+    <mc:Choice xmlns:p14="http://schemas.microsoft.com/office/powerpoint/2010/main" xmlns="" Requires="p14">
       <p:transition spd="slow" p14:dur="1250">
         <p14:flip dir="r"/>
       </p:transition>
@@ -11836,7 +11826,7 @@
           <a:blip r:embed="rId2">
             <a:extLst>
               <a:ext uri="{28A0092B-C50C-407E-A947-70E740481C1C}">
-                <a14:useLocalDpi xmlns="" xmlns:a14="http://schemas.microsoft.com/office/drawing/2010/main" val="0"/>
+                <a14:useLocalDpi xmlns:a14="http://schemas.microsoft.com/office/drawing/2010/main" xmlns="" val="0"/>
               </a:ext>
             </a:extLst>
           </a:blip>
@@ -12003,7 +11993,7 @@
         <p:spPr>
           <a:xfrm>
             <a:off x="2112533" y="1420274"/>
-            <a:ext cx="1723549" cy="492443"/>
+            <a:ext cx="2236510" cy="492443"/>
           </a:xfrm>
           <a:prstGeom prst="rect">
             <a:avLst/>
@@ -12038,7 +12028,27 @@
                   </a:schemeClr>
                 </a:solidFill>
               </a:rPr>
-              <a:t>成软件测试</a:t>
+              <a:t>成软</a:t>
+            </a:r>
+            <a:r>
+              <a:rPr lang="zh-CN" altLang="en-US" sz="2000" b="1" dirty="0" smtClean="0">
+                <a:solidFill>
+                  <a:schemeClr val="accent1">
+                    <a:lumMod val="50000"/>
+                  </a:schemeClr>
+                </a:solidFill>
+              </a:rPr>
+              <a:t>件编写测</a:t>
+            </a:r>
+            <a:r>
+              <a:rPr lang="zh-CN" altLang="en-US" sz="2000" b="1" dirty="0">
+                <a:solidFill>
+                  <a:schemeClr val="accent1">
+                    <a:lumMod val="50000"/>
+                  </a:schemeClr>
+                </a:solidFill>
+              </a:rPr>
+              <a:t>试</a:t>
             </a:r>
             <a:endParaRPr lang="en-US" altLang="zh-CN" sz="2000" b="1" dirty="0">
               <a:solidFill>
@@ -12080,7 +12090,7 @@
               </a:spcBef>
               <a:extLst>
                 <a:ext uri="{35155182-B16C-46BC-9424-99874614C6A1}">
-                  <wpsdc:indentchars xmlns:lc="http://schemas.openxmlformats.org/drawingml/2006/lockedCanvas" xmlns:wpsdc="http://www.wps.cn/officeDocument/2017/drawingmlCustomData" xmlns="" val="200" checksum="3013784323"/>
+                  <wpsdc:indentchars xmlns="" xmlns:wpsdc="http://www.wps.cn/officeDocument/2017/drawingmlCustomData" xmlns:lc="http://schemas.openxmlformats.org/drawingml/2006/lockedCanvas" val="200" checksum="3013784323"/>
                 </a:ext>
               </a:extLst>
             </a:pPr>
@@ -12580,7 +12590,7 @@
               </a:spcBef>
               <a:extLst>
                 <a:ext uri="{35155182-B16C-46BC-9424-99874614C6A1}">
-                  <wpsdc:indentchars xmlns:lc="http://schemas.openxmlformats.org/drawingml/2006/lockedCanvas" xmlns:wpsdc="http://www.wps.cn/officeDocument/2017/drawingmlCustomData" xmlns="" val="200" checksum="3013784323"/>
+                  <wpsdc:indentchars xmlns="" xmlns:wpsdc="http://www.wps.cn/officeDocument/2017/drawingmlCustomData" xmlns:lc="http://schemas.openxmlformats.org/drawingml/2006/lockedCanvas" val="200" checksum="3013784323"/>
                 </a:ext>
               </a:extLst>
             </a:pPr>
@@ -12606,7 +12616,7 @@
     <a:masterClrMapping/>
   </p:clrMapOvr>
   <mc:AlternateContent xmlns:mc="http://schemas.openxmlformats.org/markup-compatibility/2006">
-    <mc:Choice xmlns="" xmlns:p14="http://schemas.microsoft.com/office/powerpoint/2010/main" Requires="p14">
+    <mc:Choice xmlns:p14="http://schemas.microsoft.com/office/powerpoint/2010/main" xmlns="" Requires="p14">
       <p:transition spd="med" p14:dur="700">
         <p:fade/>
       </p:transition>
@@ -12711,7 +12721,7 @@
           <a:blip r:embed="rId2">
             <a:extLst>
               <a:ext uri="{28A0092B-C50C-407E-A947-70E740481C1C}">
-                <a14:useLocalDpi xmlns="" xmlns:a14="http://schemas.microsoft.com/office/drawing/2010/main" val="0"/>
+                <a14:useLocalDpi xmlns:a14="http://schemas.microsoft.com/office/drawing/2010/main" xmlns="" val="0"/>
               </a:ext>
             </a:extLst>
           </a:blip>
@@ -12728,7 +12738,7 @@
     <a:masterClrMapping/>
   </p:clrMapOvr>
   <mc:AlternateContent xmlns:mc="http://schemas.openxmlformats.org/markup-compatibility/2006">
-    <mc:Choice xmlns="" xmlns:p14="http://schemas.microsoft.com/office/powerpoint/2010/main" Requires="p14">
+    <mc:Choice xmlns:p14="http://schemas.microsoft.com/office/powerpoint/2010/main" xmlns="" Requires="p14">
       <p:transition spd="slow" p14:dur="2500">
         <p:checker/>
       </p:transition>
@@ -12862,7 +12872,7 @@
           <a:blip r:embed="rId2">
             <a:extLst>
               <a:ext uri="{28A0092B-C50C-407E-A947-70E740481C1C}">
-                <a14:useLocalDpi xmlns="" xmlns:a14="http://schemas.microsoft.com/office/drawing/2010/main" val="0"/>
+                <a14:useLocalDpi xmlns:a14="http://schemas.microsoft.com/office/drawing/2010/main" xmlns="" val="0"/>
               </a:ext>
             </a:extLst>
           </a:blip>
@@ -12879,7 +12889,7 @@
     <a:masterClrMapping/>
   </p:clrMapOvr>
   <mc:AlternateContent xmlns:mc="http://schemas.openxmlformats.org/markup-compatibility/2006">
-    <mc:Choice xmlns="" xmlns:p14="http://schemas.microsoft.com/office/powerpoint/2010/main" Requires="p14">
+    <mc:Choice xmlns:p14="http://schemas.microsoft.com/office/powerpoint/2010/main" xmlns="" Requires="p14">
       <p:transition spd="slow" p14:dur="1250">
         <p14:flip dir="r"/>
       </p:transition>
@@ -13131,15 +13141,7 @@
           <a:p>
             <a:r>
               <a:rPr kumimoji="1" lang="zh-CN" altLang="en-US" dirty="0" smtClean="0"/>
-              <a:t>项</a:t>
-            </a:r>
-            <a:r>
-              <a:rPr kumimoji="1" lang="zh-CN" altLang="en-US" dirty="0" smtClean="0"/>
-              <a:t>目</a:t>
-            </a:r>
-            <a:r>
-              <a:rPr kumimoji="1" lang="zh-CN" altLang="en-US" dirty="0" smtClean="0"/>
-              <a:t>进度</a:t>
+              <a:t>项目进度</a:t>
             </a:r>
             <a:endParaRPr kumimoji="1" lang="zh-CN" altLang="en-US" dirty="0"/>
           </a:p>
@@ -13159,7 +13161,7 @@
           <a:blip r:embed="rId2">
             <a:extLst>
               <a:ext uri="{28A0092B-C50C-407E-A947-70E740481C1C}">
-                <a14:useLocalDpi xmlns="" xmlns:a14="http://schemas.microsoft.com/office/drawing/2010/main" val="0"/>
+                <a14:useLocalDpi xmlns:a14="http://schemas.microsoft.com/office/drawing/2010/main" xmlns="" val="0"/>
               </a:ext>
             </a:extLst>
           </a:blip>
@@ -13176,7 +13178,7 @@
     <a:masterClrMapping/>
   </p:clrMapOvr>
   <mc:AlternateContent xmlns:mc="http://schemas.openxmlformats.org/markup-compatibility/2006">
-    <mc:Choice xmlns="" xmlns:p14="http://schemas.microsoft.com/office/powerpoint/2010/main" Requires="p14">
+    <mc:Choice xmlns:p14="http://schemas.microsoft.com/office/powerpoint/2010/main" xmlns="" Requires="p14">
       <p:transition spd="slow" p14:dur="1250">
         <p14:flip dir="r"/>
       </p:transition>
@@ -13232,11 +13234,7 @@
             </a:r>
             <a:r>
               <a:rPr lang="zh-CN" altLang="en-US" dirty="0" smtClean="0"/>
-              <a:t>目</a:t>
-            </a:r>
-            <a:r>
-              <a:rPr lang="zh-CN" altLang="en-US" dirty="0" smtClean="0"/>
-              <a:t>进度</a:t>
+              <a:t>目进度</a:t>
             </a:r>
             <a:endParaRPr lang="zh-CN" altLang="en-US" dirty="0"/>
           </a:p>
@@ -13422,7 +13420,7 @@
               </a:lnSpc>
               <a:extLst>
                 <a:ext uri="{35155182-B16C-46BC-9424-99874614C6A1}">
-                  <wpsdc:indentchars xmlns:lc="http://schemas.openxmlformats.org/drawingml/2006/lockedCanvas" xmlns:wpsdc="http://www.wps.cn/officeDocument/2017/drawingmlCustomData" xmlns="" val="200" checksum="1077528236"/>
+                  <wpsdc:indentchars xmlns="" xmlns:wpsdc="http://www.wps.cn/officeDocument/2017/drawingmlCustomData" xmlns:lc="http://schemas.openxmlformats.org/drawingml/2006/lockedCanvas" val="200" checksum="1077528236"/>
                 </a:ext>
               </a:extLst>
             </a:pPr>
@@ -13470,7 +13468,7 @@
               </a:lnSpc>
               <a:extLst>
                 <a:ext uri="{35155182-B16C-46BC-9424-99874614C6A1}">
-                  <wpsdc:indentchars xmlns:lc="http://schemas.openxmlformats.org/drawingml/2006/lockedCanvas" xmlns:wpsdc="http://www.wps.cn/officeDocument/2017/drawingmlCustomData" xmlns="" val="200" checksum="1077528236"/>
+                  <wpsdc:indentchars xmlns="" xmlns:wpsdc="http://www.wps.cn/officeDocument/2017/drawingmlCustomData" xmlns:lc="http://schemas.openxmlformats.org/drawingml/2006/lockedCanvas" val="200" checksum="1077528236"/>
                 </a:ext>
               </a:extLst>
             </a:pPr>
@@ -13518,7 +13516,7 @@
               </a:lnSpc>
               <a:extLst>
                 <a:ext uri="{35155182-B16C-46BC-9424-99874614C6A1}">
-                  <wpsdc:indentchars xmlns:lc="http://schemas.openxmlformats.org/drawingml/2006/lockedCanvas" xmlns:wpsdc="http://www.wps.cn/officeDocument/2017/drawingmlCustomData" xmlns="" val="200" checksum="1077528236"/>
+                  <wpsdc:indentchars xmlns="" xmlns:wpsdc="http://www.wps.cn/officeDocument/2017/drawingmlCustomData" xmlns:lc="http://schemas.openxmlformats.org/drawingml/2006/lockedCanvas" val="200" checksum="1077528236"/>
                 </a:ext>
               </a:extLst>
             </a:pPr>
@@ -13566,7 +13564,7 @@
               </a:lnSpc>
               <a:extLst>
                 <a:ext uri="{35155182-B16C-46BC-9424-99874614C6A1}">
-                  <wpsdc:indentchars xmlns:lc="http://schemas.openxmlformats.org/drawingml/2006/lockedCanvas" xmlns:wpsdc="http://www.wps.cn/officeDocument/2017/drawingmlCustomData" xmlns="" val="200" checksum="1077528236"/>
+                  <wpsdc:indentchars xmlns="" xmlns:wpsdc="http://www.wps.cn/officeDocument/2017/drawingmlCustomData" xmlns:lc="http://schemas.openxmlformats.org/drawingml/2006/lockedCanvas" val="200" checksum="1077528236"/>
                 </a:ext>
               </a:extLst>
             </a:pPr>
@@ -13615,7 +13613,7 @@
     <a:masterClrMapping/>
   </p:clrMapOvr>
   <mc:AlternateContent xmlns:mc="http://schemas.openxmlformats.org/markup-compatibility/2006">
-    <mc:Choice xmlns="" xmlns:p14="http://schemas.microsoft.com/office/powerpoint/2010/main" Requires="p14">
+    <mc:Choice xmlns:p14="http://schemas.microsoft.com/office/powerpoint/2010/main" xmlns="" Requires="p14">
       <p:transition spd="med" p14:dur="700">
         <p:fade/>
       </p:transition>
@@ -13752,7 +13750,7 @@
           <a:blip r:embed="rId2">
             <a:extLst>
               <a:ext uri="{28A0092B-C50C-407E-A947-70E740481C1C}">
-                <a14:useLocalDpi xmlns="" xmlns:a14="http://schemas.microsoft.com/office/drawing/2010/main" val="0"/>
+                <a14:useLocalDpi xmlns:a14="http://schemas.microsoft.com/office/drawing/2010/main" xmlns="" val="0"/>
               </a:ext>
             </a:extLst>
           </a:blip>
@@ -14338,7 +14336,7 @@
           <a:blip r:embed="rId2">
             <a:extLst>
               <a:ext uri="{28A0092B-C50C-407E-A947-70E740481C1C}">
-                <a14:useLocalDpi xmlns="" xmlns:a14="http://schemas.microsoft.com/office/drawing/2010/main" val="0"/>
+                <a14:useLocalDpi xmlns:a14="http://schemas.microsoft.com/office/drawing/2010/main" xmlns="" val="0"/>
               </a:ext>
             </a:extLst>
           </a:blip>
@@ -14552,7 +14550,7 @@
   <a:extraClrSchemeLst/>
   <a:extLst>
     <a:ext uri="{05A4C25C-085E-4340-85A3-A5531E510DB2}">
-      <thm15:themeFamily xmlns="" xmlns:thm15="http://schemas.microsoft.com/office/thememl/2012/main" name="Office Theme" id="{62F939B6-93AF-4DB8-9C6B-D6C7DFDC589F}" vid="{4A3C46E8-61CC-4603-A589-7422A47A8E4A}"/>
+      <thm15:themeFamily xmlns:thm15="http://schemas.microsoft.com/office/thememl/2012/main" xmlns="" name="Office Theme" id="{62F939B6-93AF-4DB8-9C6B-D6C7DFDC589F}" vid="{4A3C46E8-61CC-4603-A589-7422A47A8E4A}"/>
     </a:ext>
   </a:extLst>
 </a:theme>
@@ -14813,7 +14811,7 @@
   <a:extraClrSchemeLst/>
   <a:extLst>
     <a:ext uri="{05A4C25C-085E-4340-85A3-A5531E510DB2}">
-      <thm15:themeFamily xmlns="" xmlns:thm15="http://schemas.microsoft.com/office/thememl/2012/main" name="Office Theme" id="{62F939B6-93AF-4DB8-9C6B-D6C7DFDC589F}" vid="{4A3C46E8-61CC-4603-A589-7422A47A8E4A}"/>
+      <thm15:themeFamily xmlns:thm15="http://schemas.microsoft.com/office/thememl/2012/main" xmlns="" name="Office Theme" id="{62F939B6-93AF-4DB8-9C6B-D6C7DFDC589F}" vid="{4A3C46E8-61CC-4603-A589-7422A47A8E4A}"/>
     </a:ext>
   </a:extLst>
 </a:theme>
@@ -15108,7 +15106,7 @@
   <a:extraClrSchemeLst/>
   <a:extLst>
     <a:ext uri="{05A4C25C-085E-4340-85A3-A5531E510DB2}">
-      <thm15:themeFamily xmlns="" xmlns:thm15="http://schemas.microsoft.com/office/thememl/2012/main" name="Office Theme" id="{62F939B6-93AF-4DB8-9C6B-D6C7DFDC589F}" vid="{4A3C46E8-61CC-4603-A589-7422A47A8E4A}"/>
+      <thm15:themeFamily xmlns:thm15="http://schemas.microsoft.com/office/thememl/2012/main" xmlns="" name="Office Theme" id="{62F939B6-93AF-4DB8-9C6B-D6C7DFDC589F}" vid="{4A3C46E8-61CC-4603-A589-7422A47A8E4A}"/>
     </a:ext>
   </a:extLst>
 </a:theme>
